--- a/Net Core 5.pptx
+++ b/Net Core 5.pptx
@@ -7407,7 +7407,7 @@
           <a:p>
             <a:fld id="{ED291B17-9318-49DB-B28B-6E5994AE9581}" type="datetime1">
               <a:rPr lang="en-US" smtClean="0"/>
-              <a:t>3/14/2021</a:t>
+              <a:t>3/19/2021</a:t>
             </a:fld>
             <a:endParaRPr lang="en-US" dirty="0"/>
           </a:p>
@@ -7610,7 +7610,7 @@
           <a:p>
             <a:fld id="{2CED4963-E985-44C4-B8C4-FDD613B7C2F8}" type="datetime1">
               <a:rPr lang="en-US" smtClean="0"/>
-              <a:t>3/14/2021</a:t>
+              <a:t>3/19/2021</a:t>
             </a:fld>
             <a:endParaRPr lang="en-US" dirty="0"/>
           </a:p>
@@ -7972,7 +7972,7 @@
           <a:p>
             <a:fld id="{ED291B17-9318-49DB-B28B-6E5994AE9581}" type="datetime1">
               <a:rPr lang="en-US" smtClean="0"/>
-              <a:t>3/14/2021</a:t>
+              <a:t>3/19/2021</a:t>
             </a:fld>
             <a:endParaRPr lang="en-US" dirty="0"/>
           </a:p>
@@ -8170,7 +8170,7 @@
           <a:p>
             <a:fld id="{78DD82B9-B8EE-4375-B6FF-88FA6ABB15D9}" type="datetime1">
               <a:rPr lang="en-US" smtClean="0"/>
-              <a:t>3/14/2021</a:t>
+              <a:t>3/19/2021</a:t>
             </a:fld>
             <a:endParaRPr lang="en-US" dirty="0"/>
           </a:p>
@@ -8482,7 +8482,7 @@
           <a:p>
             <a:fld id="{B2497495-0637-405E-AE64-5CC7506D51F5}" type="datetime1">
               <a:rPr lang="en-US" smtClean="0"/>
-              <a:t>3/14/2021</a:t>
+              <a:t>3/19/2021</a:t>
             </a:fld>
             <a:endParaRPr lang="en-US" dirty="0"/>
           </a:p>
@@ -8735,7 +8735,7 @@
           <a:p>
             <a:fld id="{7BFFD690-9426-415D-8B65-26881E07B2D4}" type="datetime1">
               <a:rPr lang="en-US" smtClean="0"/>
-              <a:t>3/14/2021</a:t>
+              <a:t>3/19/2021</a:t>
             </a:fld>
             <a:endParaRPr lang="en-US" dirty="0"/>
           </a:p>
@@ -9157,7 +9157,7 @@
           <a:p>
             <a:fld id="{04C4989A-474C-40DE-95B9-011C28B71673}" type="datetime1">
               <a:rPr lang="en-US" smtClean="0"/>
-              <a:t>3/14/2021</a:t>
+              <a:t>3/19/2021</a:t>
             </a:fld>
             <a:endParaRPr lang="en-US" dirty="0"/>
           </a:p>
@@ -9280,7 +9280,7 @@
           <a:p>
             <a:fld id="{5DB4ED54-5B5E-4A04-93D3-5772E3CE3818}" type="datetime1">
               <a:rPr lang="en-US" smtClean="0"/>
-              <a:t>3/14/2021</a:t>
+              <a:t>3/19/2021</a:t>
             </a:fld>
             <a:endParaRPr lang="en-US" dirty="0"/>
           </a:p>
@@ -9375,7 +9375,7 @@
           <a:p>
             <a:fld id="{4EDE50D6-574B-40AF-946F-D52A04ADE379}" type="datetime1">
               <a:rPr lang="en-US" smtClean="0"/>
-              <a:t>3/14/2021</a:t>
+              <a:t>3/19/2021</a:t>
             </a:fld>
             <a:endParaRPr lang="en-US" dirty="0"/>
           </a:p>
@@ -9752,7 +9752,7 @@
           <a:p>
             <a:fld id="{D82884F1-FFEA-405F-9602-3DCA865EDA4E}" type="datetime1">
               <a:rPr lang="en-US" smtClean="0"/>
-              <a:t>3/14/2021</a:t>
+              <a:t>3/19/2021</a:t>
             </a:fld>
             <a:endParaRPr lang="en-US" dirty="0"/>
           </a:p>
@@ -10045,7 +10045,7 @@
           <a:p>
             <a:fld id="{7E18DB4A-8810-4A10-AD5C-D5E2C667F5B3}" type="datetime1">
               <a:rPr lang="en-US" smtClean="0"/>
-              <a:t>3/14/2021</a:t>
+              <a:t>3/19/2021</a:t>
             </a:fld>
             <a:endParaRPr lang="en-US" dirty="0"/>
           </a:p>
@@ -10260,7 +10260,7 @@
           <a:p>
             <a:fld id="{ED291B17-9318-49DB-B28B-6E5994AE9581}" type="datetime1">
               <a:rPr lang="en-US" smtClean="0"/>
-              <a:t>3/14/2021</a:t>
+              <a:t>3/19/2021</a:t>
             </a:fld>
             <a:endParaRPr lang="en-US" dirty="0"/>
           </a:p>
@@ -10900,12 +10900,12 @@
           <a:chExt cx="0" cy="0"/>
         </a:xfrm>
       </p:grpSpPr>
-      <p:sp useBgFill="1">
+      <p:sp>
         <p:nvSpPr>
-          <p:cNvPr id="18" name="Rectangle 17">
+          <p:cNvPr id="29" name="Rectangle 28">
             <a:extLst>
               <a:ext uri="{FF2B5EF4-FFF2-40B4-BE49-F238E27FC236}">
-                <a16:creationId xmlns:a16="http://schemas.microsoft.com/office/drawing/2014/main" id="{D6D7A0BC-0046-4CAA-8E7F-DCAFE511EA0E}"/>
+                <a16:creationId xmlns:a16="http://schemas.microsoft.com/office/drawing/2014/main" id="{875485B9-8EE1-447A-9C08-F7D6B532A8CF}"/>
               </a:ext>
               <a:ext uri="{C183D7F6-B498-43B3-948B-1728B52AA6E4}">
                 <adec:decorative xmlns:adec="http://schemas.microsoft.com/office/drawing/2017/decorative" val="1"/>
@@ -10925,12 +10925,15 @@
         </p:nvSpPr>
         <p:spPr>
           <a:xfrm>
-            <a:off x="0" y="0"/>
-            <a:ext cx="12192000" cy="6858000"/>
+            <a:off x="0" y="1"/>
+            <a:ext cx="12191999" cy="6858000"/>
           </a:xfrm>
           <a:prstGeom prst="rect">
             <a:avLst/>
           </a:prstGeom>
+          <a:solidFill>
+            <a:schemeClr val="tx1"/>
+          </a:solidFill>
           <a:ln>
             <a:noFill/>
           </a:ln>
@@ -10956,110 +10959,16 @@
           <a:lstStyle/>
           <a:p>
             <a:pPr algn="ctr"/>
-            <a:endParaRPr lang="en-US" dirty="0"/>
+            <a:endParaRPr lang="en-US"/>
           </a:p>
         </p:txBody>
       </p:sp>
       <p:sp>
         <p:nvSpPr>
-          <p:cNvPr id="2" name="Title 1">
+          <p:cNvPr id="31" name="Rectangle 30">
             <a:extLst>
               <a:ext uri="{FF2B5EF4-FFF2-40B4-BE49-F238E27FC236}">
-                <a16:creationId xmlns:a16="http://schemas.microsoft.com/office/drawing/2014/main" id="{1C21E816-31F5-48BB-BD02-D15F2F18B48A}"/>
-              </a:ext>
-            </a:extLst>
-          </p:cNvPr>
-          <p:cNvSpPr>
-            <a:spLocks noGrp="1"/>
-          </p:cNvSpPr>
-          <p:nvPr>
-            <p:ph type="ctrTitle"/>
-          </p:nvPr>
-        </p:nvSpPr>
-        <p:spPr>
-          <a:xfrm>
-            <a:off x="581191" y="1020431"/>
-            <a:ext cx="10993549" cy="1475013"/>
-          </a:xfrm>
-        </p:spPr>
-        <p:txBody>
-          <a:bodyPr>
-            <a:normAutofit/>
-          </a:bodyPr>
-          <a:lstStyle/>
-          <a:p>
-            <a:r>
-              <a:rPr lang="en-US" dirty="0" err="1">
-                <a:solidFill>
-                  <a:schemeClr val="tx1"/>
-                </a:solidFill>
-              </a:rPr>
-              <a:t>.Net</a:t>
-            </a:r>
-            <a:r>
-              <a:rPr lang="en-US" dirty="0">
-                <a:solidFill>
-                  <a:schemeClr val="tx1"/>
-                </a:solidFill>
-              </a:rPr>
-              <a:t> Core 5.0</a:t>
-            </a:r>
-            <a:endParaRPr lang="en-US" dirty="0"/>
-          </a:p>
-        </p:txBody>
-      </p:sp>
-      <p:sp>
-        <p:nvSpPr>
-          <p:cNvPr id="3" name="Subtitle 2">
-            <a:extLst>
-              <a:ext uri="{FF2B5EF4-FFF2-40B4-BE49-F238E27FC236}">
-                <a16:creationId xmlns:a16="http://schemas.microsoft.com/office/drawing/2014/main" id="{835D6E6B-3353-491C-A3C6-F278D6CED8B3}"/>
-              </a:ext>
-            </a:extLst>
-          </p:cNvPr>
-          <p:cNvSpPr>
-            <a:spLocks noGrp="1"/>
-          </p:cNvSpPr>
-          <p:nvPr>
-            <p:ph type="subTitle" idx="1"/>
-          </p:nvPr>
-        </p:nvSpPr>
-        <p:spPr>
-          <a:xfrm>
-            <a:off x="581194" y="2495445"/>
-            <a:ext cx="10993546" cy="1020430"/>
-          </a:xfrm>
-        </p:spPr>
-        <p:txBody>
-          <a:bodyPr>
-            <a:normAutofit/>
-          </a:bodyPr>
-          <a:lstStyle/>
-          <a:p>
-            <a:r>
-              <a:rPr lang="en-US" dirty="0"/>
-              <a:t>Rafie Tarabay</a:t>
-            </a:r>
-            <a:br>
-              <a:rPr lang="en-US" dirty="0"/>
-            </a:br>
-            <a:r>
-              <a:rPr lang="en-US" cap="none" dirty="0">
-                <a:solidFill>
-                  <a:srgbClr val="FF0000"/>
-                </a:solidFill>
-              </a:rPr>
-              <a:t>eng_rafie@mans.edu.eg</a:t>
-            </a:r>
-          </a:p>
-        </p:txBody>
-      </p:sp>
-      <p:sp>
-        <p:nvSpPr>
-          <p:cNvPr id="20" name="Rectangle 19">
-            <a:extLst>
-              <a:ext uri="{FF2B5EF4-FFF2-40B4-BE49-F238E27FC236}">
-                <a16:creationId xmlns:a16="http://schemas.microsoft.com/office/drawing/2014/main" id="{E7C6334F-6411-41EC-AD7D-179EDD8B58CB}"/>
+                <a16:creationId xmlns:a16="http://schemas.microsoft.com/office/drawing/2014/main" id="{B963707F-B98C-4143-AFCF-D6B56C975C5A}"/>
               </a:ext>
               <a:ext uri="{C183D7F6-B498-43B3-948B-1728B52AA6E4}">
                 <adec:decorative xmlns:adec="http://schemas.microsoft.com/office/drawing/2017/decorative" val="1"/>
@@ -11079,8 +10988,8 @@
         </p:nvSpPr>
         <p:spPr>
           <a:xfrm>
-            <a:off x="446534" y="457200"/>
-            <a:ext cx="3703320" cy="94997"/>
+            <a:off x="514059" y="457200"/>
+            <a:ext cx="5010912" cy="91440"/>
           </a:xfrm>
           <a:prstGeom prst="rect">
             <a:avLst/>
@@ -11110,10 +11019,10 @@
       </p:sp>
       <p:sp>
         <p:nvSpPr>
-          <p:cNvPr id="22" name="Rectangle 21">
+          <p:cNvPr id="33" name="Rectangle 32">
             <a:extLst>
               <a:ext uri="{FF2B5EF4-FFF2-40B4-BE49-F238E27FC236}">
-                <a16:creationId xmlns:a16="http://schemas.microsoft.com/office/drawing/2014/main" id="{E6B02CEE-3AF8-4349-9B3E-8970E6DF62B3}"/>
+                <a16:creationId xmlns:a16="http://schemas.microsoft.com/office/drawing/2014/main" id="{88D2DFBB-460D-4ECB-BD76-509C99DAD65A}"/>
               </a:ext>
               <a:ext uri="{C183D7F6-B498-43B3-948B-1728B52AA6E4}">
                 <adec:decorative xmlns:adec="http://schemas.microsoft.com/office/drawing/2017/decorative" val="1"/>
@@ -11133,14 +11042,14 @@
         </p:nvSpPr>
         <p:spPr>
           <a:xfrm>
-            <a:off x="4241830" y="457200"/>
-            <a:ext cx="3703320" cy="91440"/>
+            <a:off x="515583" y="601197"/>
+            <a:ext cx="5009388" cy="5789368"/>
           </a:xfrm>
           <a:prstGeom prst="rect">
             <a:avLst/>
           </a:prstGeom>
           <a:solidFill>
-            <a:schemeClr val="accent1"/>
+            <a:srgbClr val="465359"/>
           </a:solidFill>
           <a:ln>
             <a:noFill/>
@@ -11164,58 +11073,133 @@
       </p:sp>
       <p:sp>
         <p:nvSpPr>
-          <p:cNvPr id="24" name="Rectangle 23">
+          <p:cNvPr id="2" name="Title 1">
             <a:extLst>
               <a:ext uri="{FF2B5EF4-FFF2-40B4-BE49-F238E27FC236}">
-                <a16:creationId xmlns:a16="http://schemas.microsoft.com/office/drawing/2014/main" id="{AAA01CF0-3FB5-44EB-B7DE-F2E86374C2FB}"/>
-              </a:ext>
-              <a:ext uri="{C183D7F6-B498-43B3-948B-1728B52AA6E4}">
-                <adec:decorative xmlns:adec="http://schemas.microsoft.com/office/drawing/2017/decorative" val="1"/>
+                <a16:creationId xmlns:a16="http://schemas.microsoft.com/office/drawing/2014/main" id="{1C21E816-31F5-48BB-BD02-D15F2F18B48A}"/>
               </a:ext>
             </a:extLst>
           </p:cNvPr>
           <p:cNvSpPr>
-            <a:spLocks noGrp="1" noRot="1" noChangeAspect="1" noMove="1" noResize="1" noEditPoints="1" noAdjustHandles="1" noChangeArrowheads="1" noChangeShapeType="1" noTextEdit="1"/>
+            <a:spLocks noGrp="1"/>
           </p:cNvSpPr>
           <p:nvPr>
-            <p:extLst>
-              <p:ext uri="{386F3935-93C4-4BCD-93E2-E3B085C9AB24}">
-                <p16:designElem xmlns:p16="http://schemas.microsoft.com/office/powerpoint/2015/main" val="1"/>
-              </p:ext>
-            </p:extLst>
+            <p:ph type="ctrTitle"/>
           </p:nvPr>
         </p:nvSpPr>
         <p:spPr>
           <a:xfrm>
-            <a:off x="8042147" y="453643"/>
-            <a:ext cx="3703320" cy="98554"/>
+            <a:off x="837126" y="1419225"/>
+            <a:ext cx="4320227" cy="2395117"/>
+          </a:xfrm>
+        </p:spPr>
+        <p:txBody>
+          <a:bodyPr>
+            <a:normAutofit/>
+          </a:bodyPr>
+          <a:lstStyle/>
+          <a:p>
+            <a:r>
+              <a:rPr lang="en-US" sz="4000">
+                <a:solidFill>
+                  <a:srgbClr val="FFFFFF"/>
+                </a:solidFill>
+              </a:rPr>
+              <a:t>.Net Core 5.0</a:t>
+            </a:r>
+          </a:p>
+        </p:txBody>
+      </p:sp>
+      <p:sp>
+        <p:nvSpPr>
+          <p:cNvPr id="3" name="Subtitle 2">
+            <a:extLst>
+              <a:ext uri="{FF2B5EF4-FFF2-40B4-BE49-F238E27FC236}">
+                <a16:creationId xmlns:a16="http://schemas.microsoft.com/office/drawing/2014/main" id="{835D6E6B-3353-491C-A3C6-F278D6CED8B3}"/>
+              </a:ext>
+            </a:extLst>
+          </p:cNvPr>
+          <p:cNvSpPr>
+            <a:spLocks noGrp="1"/>
+          </p:cNvSpPr>
+          <p:nvPr>
+            <p:ph type="subTitle" idx="1"/>
+          </p:nvPr>
+        </p:nvSpPr>
+        <p:spPr>
+          <a:xfrm>
+            <a:off x="837126" y="3824577"/>
+            <a:ext cx="4320228" cy="1614198"/>
+          </a:xfrm>
+        </p:spPr>
+        <p:txBody>
+          <a:bodyPr>
+            <a:normAutofit/>
+          </a:bodyPr>
+          <a:lstStyle/>
+          <a:p>
+            <a:r>
+              <a:rPr lang="en-US" sz="1800">
+                <a:solidFill>
+                  <a:srgbClr val="FFFFFF">
+                    <a:alpha val="75000"/>
+                  </a:srgbClr>
+                </a:solidFill>
+              </a:rPr>
+              <a:t>Rafie Tarabay</a:t>
+            </a:r>
+            <a:br>
+              <a:rPr lang="en-US" sz="1800">
+                <a:solidFill>
+                  <a:srgbClr val="FFFFFF">
+                    <a:alpha val="75000"/>
+                  </a:srgbClr>
+                </a:solidFill>
+              </a:rPr>
+            </a:br>
+            <a:r>
+              <a:rPr lang="en-US" sz="1800" cap="none">
+                <a:solidFill>
+                  <a:srgbClr val="FFFFFF">
+                    <a:alpha val="75000"/>
+                  </a:srgbClr>
+                </a:solidFill>
+              </a:rPr>
+              <a:t>eng_rafie@mans.edu.eg</a:t>
+            </a:r>
+          </a:p>
+        </p:txBody>
+      </p:sp>
+      <p:pic>
+        <p:nvPicPr>
+          <p:cNvPr id="5" name="Picture 4">
+            <a:extLst>
+              <a:ext uri="{FF2B5EF4-FFF2-40B4-BE49-F238E27FC236}">
+                <a16:creationId xmlns:a16="http://schemas.microsoft.com/office/drawing/2014/main" id="{2EAC71F3-7791-4D4D-9B13-DD39D0912D5F}"/>
+              </a:ext>
+            </a:extLst>
+          </p:cNvPr>
+          <p:cNvPicPr>
+            <a:picLocks noChangeAspect="1"/>
+          </p:cNvPicPr>
+          <p:nvPr/>
+        </p:nvPicPr>
+        <p:blipFill>
+          <a:blip r:embed="rId2"/>
+          <a:stretch>
+            <a:fillRect/>
+          </a:stretch>
+        </p:blipFill>
+        <p:spPr>
+          <a:xfrm>
+            <a:off x="5811017" y="1449617"/>
+            <a:ext cx="5710061" cy="1270488"/>
           </a:xfrm>
           <a:prstGeom prst="rect">
             <a:avLst/>
           </a:prstGeom>
-          <a:solidFill>
-            <a:srgbClr val="969FA7"/>
-          </a:solidFill>
-          <a:ln>
-            <a:noFill/>
-          </a:ln>
-          <a:effectLst/>
         </p:spPr>
-        <p:style>
-          <a:lnRef idx="1">
-            <a:schemeClr val="accent1"/>
-          </a:lnRef>
-          <a:fillRef idx="3">
-            <a:schemeClr val="accent1"/>
-          </a:fillRef>
-          <a:effectRef idx="2">
-            <a:schemeClr val="accent1"/>
-          </a:effectRef>
-          <a:fontRef idx="minor">
-            <a:schemeClr val="lt1"/>
-          </a:fontRef>
-        </p:style>
-      </p:sp>
+      </p:pic>
       <p:pic>
         <p:nvPicPr>
           <p:cNvPr id="6" name="Picture 5" descr="abstract image">
@@ -11231,20 +11215,19 @@
           <p:nvPr/>
         </p:nvPicPr>
         <p:blipFill rotWithShape="1">
-          <a:blip r:embed="rId2">
+          <a:blip r:embed="rId3">
             <a:extLst>
               <a:ext uri="{28A0092B-C50C-407E-A947-70E740481C1C}">
                 <a14:useLocalDpi xmlns:a14="http://schemas.microsoft.com/office/drawing/2010/main" val="0"/>
               </a:ext>
             </a:extLst>
           </a:blip>
-          <a:srcRect/>
           <a:stretch/>
         </p:blipFill>
         <p:spPr>
           <a:xfrm>
-            <a:off x="448733" y="3081867"/>
-            <a:ext cx="11260667" cy="3310466"/>
+            <a:off x="5811017" y="4169721"/>
+            <a:ext cx="5734893" cy="1691791"/>
           </a:xfrm>
           <a:prstGeom prst="rect">
             <a:avLst/>
@@ -11259,7 +11242,7 @@
     </p:extLst>
   </p:cSld>
   <p:clrMapOvr>
-    <a:masterClrMapping/>
+    <a:overrideClrMapping bg1="dk1" tx1="lt1" bg2="dk2" tx2="lt2" accent1="accent1" accent2="accent2" accent3="accent3" accent4="accent4" accent5="accent5" accent6="accent6" hlink="hlink" folHlink="folHlink"/>
   </p:clrMapOvr>
 </p:sld>
 </file>
@@ -26700,6 +26683,15 @@
 </file>
 
 <file path=customXml/item1.xml><?xml version="1.0" encoding="utf-8"?>
+<p:properties xmlns:p="http://schemas.microsoft.com/office/2006/metadata/properties" xmlns:xsi="http://www.w3.org/2001/XMLSchema-instance" xmlns:pc="http://schemas.microsoft.com/office/infopath/2007/PartnerControls">
+  <documentManagement>
+    <Status xmlns="71af3243-3dd4-4a8d-8c0d-dd76da1f02a5">Not started</Status>
+    <MediaServiceKeyPoints xmlns="71af3243-3dd4-4a8d-8c0d-dd76da1f02a5" xsi:nil="true"/>
+  </documentManagement>
+</p:properties>
+</file>
+
+<file path=customXml/item2.xml><?xml version="1.0" encoding="utf-8"?>
 <?mso-contentType ?>
 <FormTemplates xmlns="http://schemas.microsoft.com/sharepoint/v3/contenttype/forms">
   <Display>DocumentLibraryForm</Display>
@@ -26708,7 +26700,7 @@
 </FormTemplates>
 </file>
 
-<file path=customXml/item2.xml><?xml version="1.0" encoding="utf-8"?>
+<file path=customXml/item3.xml><?xml version="1.0" encoding="utf-8"?>
 <ct:contentTypeSchema xmlns:ct="http://schemas.microsoft.com/office/2006/metadata/contentType" xmlns:ma="http://schemas.microsoft.com/office/2006/metadata/properties/metaAttributes" ct:_="" ma:_="" ma:contentTypeName="Document" ma:contentTypeID="0x01010079F111ED35F8CC479449609E8A0923A6" ma:contentTypeVersion="12" ma:contentTypeDescription="Create a new document." ma:contentTypeScope="" ma:versionID="a410dd7f93c95333ffa1b60ed6adedd1">
   <xsd:schema xmlns:xsd="http://www.w3.org/2001/XMLSchema" xmlns:xs="http://www.w3.org/2001/XMLSchema" xmlns:p="http://schemas.microsoft.com/office/2006/metadata/properties" xmlns:ns2="71af3243-3dd4-4a8d-8c0d-dd76da1f02a5" xmlns:ns3="16c05727-aa75-4e4a-9b5f-8a80a1165891" targetNamespace="http://schemas.microsoft.com/office/2006/metadata/properties" ma:root="true" ma:fieldsID="a936d9baba76aa3866493feff160faab" ns2:_="" ns3:_="">
     <xsd:import namespace="71af3243-3dd4-4a8d-8c0d-dd76da1f02a5"/>
@@ -26929,16 +26921,17 @@
 </ct:contentTypeSchema>
 </file>
 
-<file path=customXml/item3.xml><?xml version="1.0" encoding="utf-8"?>
-<p:properties xmlns:p="http://schemas.microsoft.com/office/2006/metadata/properties" xmlns:xsi="http://www.w3.org/2001/XMLSchema-instance" xmlns:pc="http://schemas.microsoft.com/office/infopath/2007/PartnerControls">
-  <documentManagement>
-    <Status xmlns="71af3243-3dd4-4a8d-8c0d-dd76da1f02a5">Not started</Status>
-    <MediaServiceKeyPoints xmlns="71af3243-3dd4-4a8d-8c0d-dd76da1f02a5" xsi:nil="true"/>
-  </documentManagement>
-</p:properties>
+<file path=customXml/itemProps1.xml><?xml version="1.0" encoding="utf-8"?>
+<ds:datastoreItem xmlns:ds="http://schemas.openxmlformats.org/officeDocument/2006/customXml" ds:itemID="{8D289AE2-D2AE-49D1-AFAC-3A79F6794255}">
+  <ds:schemaRefs>
+    <ds:schemaRef ds:uri="http://schemas.microsoft.com/office/2006/metadata/properties"/>
+    <ds:schemaRef ds:uri="http://schemas.microsoft.com/office/infopath/2007/PartnerControls"/>
+    <ds:schemaRef ds:uri="71af3243-3dd4-4a8d-8c0d-dd76da1f02a5"/>
+  </ds:schemaRefs>
+</ds:datastoreItem>
 </file>
 
-<file path=customXml/itemProps1.xml><?xml version="1.0" encoding="utf-8"?>
+<file path=customXml/itemProps2.xml><?xml version="1.0" encoding="utf-8"?>
 <ds:datastoreItem xmlns:ds="http://schemas.openxmlformats.org/officeDocument/2006/customXml" ds:itemID="{927BD4C1-B6B1-4715-ABF9-E660A51A4EA0}">
   <ds:schemaRefs>
     <ds:schemaRef ds:uri="http://schemas.microsoft.com/sharepoint/v3/contenttype/forms"/>
@@ -26946,7 +26939,7 @@
 </ds:datastoreItem>
 </file>
 
-<file path=customXml/itemProps2.xml><?xml version="1.0" encoding="utf-8"?>
+<file path=customXml/itemProps3.xml><?xml version="1.0" encoding="utf-8"?>
 <ds:datastoreItem xmlns:ds="http://schemas.openxmlformats.org/officeDocument/2006/customXml" ds:itemID="{41E7CA09-9778-4414-AE97-8064B12DA30E}">
   <ds:schemaRefs>
     <ds:schemaRef ds:uri="http://schemas.microsoft.com/office/2006/metadata/contentType"/>
@@ -26963,14 +26956,4 @@
     <ds:schemaRef ds:uri="http://schemas.microsoft.com/internal/obd"/>
   </ds:schemaRefs>
 </ds:datastoreItem>
-</file>
-
-<file path=customXml/itemProps3.xml><?xml version="1.0" encoding="utf-8"?>
-<ds:datastoreItem xmlns:ds="http://schemas.openxmlformats.org/officeDocument/2006/customXml" ds:itemID="{8D289AE2-D2AE-49D1-AFAC-3A79F6794255}">
-  <ds:schemaRefs>
-    <ds:schemaRef ds:uri="http://schemas.microsoft.com/office/2006/metadata/properties"/>
-    <ds:schemaRef ds:uri="http://schemas.microsoft.com/office/infopath/2007/PartnerControls"/>
-    <ds:schemaRef ds:uri="71af3243-3dd4-4a8d-8c0d-dd76da1f02a5"/>
-  </ds:schemaRefs>
-</ds:datastoreItem>
 </file>
--- a/Net Core 5.pptx
+++ b/Net Core 5.pptx
@@ -4,6 +4,9 @@
   <p:sldMasterIdLst>
     <p:sldMasterId id="2147483712" r:id="rId4"/>
   </p:sldMasterIdLst>
+  <p:notesMasterIdLst>
+    <p:notesMasterId r:id="rId76"/>
+  </p:notesMasterIdLst>
   <p:sldIdLst>
     <p:sldId id="257" r:id="rId5"/>
     <p:sldId id="284" r:id="rId6"/>
@@ -72,9 +75,10 @@
     <p:sldId id="333" r:id="rId69"/>
     <p:sldId id="261" r:id="rId70"/>
     <p:sldId id="334" r:id="rId71"/>
-    <p:sldId id="267" r:id="rId72"/>
-    <p:sldId id="335" r:id="rId73"/>
-    <p:sldId id="262" r:id="rId74"/>
+    <p:sldId id="336" r:id="rId72"/>
+    <p:sldId id="267" r:id="rId73"/>
+    <p:sldId id="335" r:id="rId74"/>
+    <p:sldId id="262" r:id="rId75"/>
   </p:sldIdLst>
   <p:sldSz cx="12192000" cy="6858000"/>
   <p:notesSz cx="6858000" cy="9144000"/>
@@ -7169,6 +7173,628 @@
 </dgm:styleDef>
 </file>
 
+<file path=ppt/notesMasters/notesMaster1.xml><?xml version="1.0" encoding="utf-8"?>
+<p:notesMaster xmlns:a="http://schemas.openxmlformats.org/drawingml/2006/main" xmlns:r="http://schemas.openxmlformats.org/officeDocument/2006/relationships" xmlns:p="http://schemas.openxmlformats.org/presentationml/2006/main">
+  <p:cSld>
+    <p:bg>
+      <p:bgRef idx="1001">
+        <a:schemeClr val="bg1"/>
+      </p:bgRef>
+    </p:bg>
+    <p:spTree>
+      <p:nvGrpSpPr>
+        <p:cNvPr id="1" name=""/>
+        <p:cNvGrpSpPr/>
+        <p:nvPr/>
+      </p:nvGrpSpPr>
+      <p:grpSpPr>
+        <a:xfrm>
+          <a:off x="0" y="0"/>
+          <a:ext cx="0" cy="0"/>
+          <a:chOff x="0" y="0"/>
+          <a:chExt cx="0" cy="0"/>
+        </a:xfrm>
+      </p:grpSpPr>
+      <p:sp>
+        <p:nvSpPr>
+          <p:cNvPr id="2" name="Header Placeholder 1"/>
+          <p:cNvSpPr>
+            <a:spLocks noGrp="1"/>
+          </p:cNvSpPr>
+          <p:nvPr>
+            <p:ph type="hdr" sz="quarter"/>
+          </p:nvPr>
+        </p:nvSpPr>
+        <p:spPr>
+          <a:xfrm>
+            <a:off x="0" y="0"/>
+            <a:ext cx="2971800" cy="458788"/>
+          </a:xfrm>
+          <a:prstGeom prst="rect">
+            <a:avLst/>
+          </a:prstGeom>
+        </p:spPr>
+        <p:txBody>
+          <a:bodyPr vert="horz" lIns="91440" tIns="45720" rIns="91440" bIns="45720" rtlCol="0"/>
+          <a:lstStyle>
+            <a:lvl1pPr algn="l">
+              <a:defRPr sz="1200"/>
+            </a:lvl1pPr>
+          </a:lstStyle>
+          <a:p>
+            <a:endParaRPr lang="en-US"/>
+          </a:p>
+        </p:txBody>
+      </p:sp>
+      <p:sp>
+        <p:nvSpPr>
+          <p:cNvPr id="3" name="Date Placeholder 2"/>
+          <p:cNvSpPr>
+            <a:spLocks noGrp="1"/>
+          </p:cNvSpPr>
+          <p:nvPr>
+            <p:ph type="dt" idx="1"/>
+          </p:nvPr>
+        </p:nvSpPr>
+        <p:spPr>
+          <a:xfrm>
+            <a:off x="3884613" y="0"/>
+            <a:ext cx="2971800" cy="458788"/>
+          </a:xfrm>
+          <a:prstGeom prst="rect">
+            <a:avLst/>
+          </a:prstGeom>
+        </p:spPr>
+        <p:txBody>
+          <a:bodyPr vert="horz" lIns="91440" tIns="45720" rIns="91440" bIns="45720" rtlCol="0"/>
+          <a:lstStyle>
+            <a:lvl1pPr algn="r">
+              <a:defRPr sz="1200"/>
+            </a:lvl1pPr>
+          </a:lstStyle>
+          <a:p>
+            <a:fld id="{9C4817E5-FACF-4117-AF69-78FF12554B98}" type="datetimeFigureOut">
+              <a:rPr lang="en-US" smtClean="0"/>
+              <a:t>3/30/2021</a:t>
+            </a:fld>
+            <a:endParaRPr lang="en-US"/>
+          </a:p>
+        </p:txBody>
+      </p:sp>
+      <p:sp>
+        <p:nvSpPr>
+          <p:cNvPr id="4" name="Slide Image Placeholder 3"/>
+          <p:cNvSpPr>
+            <a:spLocks noGrp="1" noRot="1" noChangeAspect="1"/>
+          </p:cNvSpPr>
+          <p:nvPr>
+            <p:ph type="sldImg" idx="2"/>
+          </p:nvPr>
+        </p:nvSpPr>
+        <p:spPr>
+          <a:xfrm>
+            <a:off x="685800" y="1143000"/>
+            <a:ext cx="5486400" cy="3086100"/>
+          </a:xfrm>
+          <a:prstGeom prst="rect">
+            <a:avLst/>
+          </a:prstGeom>
+          <a:noFill/>
+          <a:ln w="12700">
+            <a:solidFill>
+              <a:prstClr val="black"/>
+            </a:solidFill>
+          </a:ln>
+        </p:spPr>
+        <p:txBody>
+          <a:bodyPr vert="horz" lIns="91440" tIns="45720" rIns="91440" bIns="45720" rtlCol="0" anchor="ctr"/>
+          <a:lstStyle/>
+          <a:p>
+            <a:endParaRPr lang="en-US"/>
+          </a:p>
+        </p:txBody>
+      </p:sp>
+      <p:sp>
+        <p:nvSpPr>
+          <p:cNvPr id="5" name="Notes Placeholder 4"/>
+          <p:cNvSpPr>
+            <a:spLocks noGrp="1"/>
+          </p:cNvSpPr>
+          <p:nvPr>
+            <p:ph type="body" sz="quarter" idx="3"/>
+          </p:nvPr>
+        </p:nvSpPr>
+        <p:spPr>
+          <a:xfrm>
+            <a:off x="685800" y="4400550"/>
+            <a:ext cx="5486400" cy="3600450"/>
+          </a:xfrm>
+          <a:prstGeom prst="rect">
+            <a:avLst/>
+          </a:prstGeom>
+        </p:spPr>
+        <p:txBody>
+          <a:bodyPr vert="horz" lIns="91440" tIns="45720" rIns="91440" bIns="45720" rtlCol="0"/>
+          <a:lstStyle/>
+          <a:p>
+            <a:pPr lvl="0"/>
+            <a:r>
+              <a:rPr lang="en-US"/>
+              <a:t>Click to edit Master text styles</a:t>
+            </a:r>
+          </a:p>
+          <a:p>
+            <a:pPr lvl="1"/>
+            <a:r>
+              <a:rPr lang="en-US"/>
+              <a:t>Second level</a:t>
+            </a:r>
+          </a:p>
+          <a:p>
+            <a:pPr lvl="2"/>
+            <a:r>
+              <a:rPr lang="en-US"/>
+              <a:t>Third level</a:t>
+            </a:r>
+          </a:p>
+          <a:p>
+            <a:pPr lvl="3"/>
+            <a:r>
+              <a:rPr lang="en-US"/>
+              <a:t>Fourth level</a:t>
+            </a:r>
+          </a:p>
+          <a:p>
+            <a:pPr lvl="4"/>
+            <a:r>
+              <a:rPr lang="en-US"/>
+              <a:t>Fifth level</a:t>
+            </a:r>
+          </a:p>
+        </p:txBody>
+      </p:sp>
+      <p:sp>
+        <p:nvSpPr>
+          <p:cNvPr id="6" name="Footer Placeholder 5"/>
+          <p:cNvSpPr>
+            <a:spLocks noGrp="1"/>
+          </p:cNvSpPr>
+          <p:nvPr>
+            <p:ph type="ftr" sz="quarter" idx="4"/>
+          </p:nvPr>
+        </p:nvSpPr>
+        <p:spPr>
+          <a:xfrm>
+            <a:off x="0" y="8685213"/>
+            <a:ext cx="2971800" cy="458787"/>
+          </a:xfrm>
+          <a:prstGeom prst="rect">
+            <a:avLst/>
+          </a:prstGeom>
+        </p:spPr>
+        <p:txBody>
+          <a:bodyPr vert="horz" lIns="91440" tIns="45720" rIns="91440" bIns="45720" rtlCol="0" anchor="b"/>
+          <a:lstStyle>
+            <a:lvl1pPr algn="l">
+              <a:defRPr sz="1200"/>
+            </a:lvl1pPr>
+          </a:lstStyle>
+          <a:p>
+            <a:endParaRPr lang="en-US"/>
+          </a:p>
+        </p:txBody>
+      </p:sp>
+      <p:sp>
+        <p:nvSpPr>
+          <p:cNvPr id="7" name="Slide Number Placeholder 6"/>
+          <p:cNvSpPr>
+            <a:spLocks noGrp="1"/>
+          </p:cNvSpPr>
+          <p:nvPr>
+            <p:ph type="sldNum" sz="quarter" idx="5"/>
+          </p:nvPr>
+        </p:nvSpPr>
+        <p:spPr>
+          <a:xfrm>
+            <a:off x="3884613" y="8685213"/>
+            <a:ext cx="2971800" cy="458787"/>
+          </a:xfrm>
+          <a:prstGeom prst="rect">
+            <a:avLst/>
+          </a:prstGeom>
+        </p:spPr>
+        <p:txBody>
+          <a:bodyPr vert="horz" lIns="91440" tIns="45720" rIns="91440" bIns="45720" rtlCol="0" anchor="b"/>
+          <a:lstStyle>
+            <a:lvl1pPr algn="r">
+              <a:defRPr sz="1200"/>
+            </a:lvl1pPr>
+          </a:lstStyle>
+          <a:p>
+            <a:fld id="{047E7178-C702-4FAC-8CE2-6AA4A6E05DED}" type="slidenum">
+              <a:rPr lang="en-US" smtClean="0"/>
+              <a:t>‹#›</a:t>
+            </a:fld>
+            <a:endParaRPr lang="en-US"/>
+          </a:p>
+        </p:txBody>
+      </p:sp>
+    </p:spTree>
+    <p:extLst>
+      <p:ext uri="{BB962C8B-B14F-4D97-AF65-F5344CB8AC3E}">
+        <p14:creationId xmlns:p14="http://schemas.microsoft.com/office/powerpoint/2010/main" val="3388604694"/>
+      </p:ext>
+    </p:extLst>
+  </p:cSld>
+  <p:clrMap bg1="lt1" tx1="dk1" bg2="lt2" tx2="dk2" accent1="accent1" accent2="accent2" accent3="accent3" accent4="accent4" accent5="accent5" accent6="accent6" hlink="hlink" folHlink="folHlink"/>
+  <p:notesStyle>
+    <a:lvl1pPr marL="0" algn="l" defTabSz="914400" rtl="0" eaLnBrk="1" latinLnBrk="0" hangingPunct="1">
+      <a:defRPr sz="1200" kern="1200">
+        <a:solidFill>
+          <a:schemeClr val="tx1"/>
+        </a:solidFill>
+        <a:latin typeface="+mn-lt"/>
+        <a:ea typeface="+mn-ea"/>
+        <a:cs typeface="+mn-cs"/>
+      </a:defRPr>
+    </a:lvl1pPr>
+    <a:lvl2pPr marL="457200" algn="l" defTabSz="914400" rtl="0" eaLnBrk="1" latinLnBrk="0" hangingPunct="1">
+      <a:defRPr sz="1200" kern="1200">
+        <a:solidFill>
+          <a:schemeClr val="tx1"/>
+        </a:solidFill>
+        <a:latin typeface="+mn-lt"/>
+        <a:ea typeface="+mn-ea"/>
+        <a:cs typeface="+mn-cs"/>
+      </a:defRPr>
+    </a:lvl2pPr>
+    <a:lvl3pPr marL="914400" algn="l" defTabSz="914400" rtl="0" eaLnBrk="1" latinLnBrk="0" hangingPunct="1">
+      <a:defRPr sz="1200" kern="1200">
+        <a:solidFill>
+          <a:schemeClr val="tx1"/>
+        </a:solidFill>
+        <a:latin typeface="+mn-lt"/>
+        <a:ea typeface="+mn-ea"/>
+        <a:cs typeface="+mn-cs"/>
+      </a:defRPr>
+    </a:lvl3pPr>
+    <a:lvl4pPr marL="1371600" algn="l" defTabSz="914400" rtl="0" eaLnBrk="1" latinLnBrk="0" hangingPunct="1">
+      <a:defRPr sz="1200" kern="1200">
+        <a:solidFill>
+          <a:schemeClr val="tx1"/>
+        </a:solidFill>
+        <a:latin typeface="+mn-lt"/>
+        <a:ea typeface="+mn-ea"/>
+        <a:cs typeface="+mn-cs"/>
+      </a:defRPr>
+    </a:lvl4pPr>
+    <a:lvl5pPr marL="1828800" algn="l" defTabSz="914400" rtl="0" eaLnBrk="1" latinLnBrk="0" hangingPunct="1">
+      <a:defRPr sz="1200" kern="1200">
+        <a:solidFill>
+          <a:schemeClr val="tx1"/>
+        </a:solidFill>
+        <a:latin typeface="+mn-lt"/>
+        <a:ea typeface="+mn-ea"/>
+        <a:cs typeface="+mn-cs"/>
+      </a:defRPr>
+    </a:lvl5pPr>
+    <a:lvl6pPr marL="2286000" algn="l" defTabSz="914400" rtl="0" eaLnBrk="1" latinLnBrk="0" hangingPunct="1">
+      <a:defRPr sz="1200" kern="1200">
+        <a:solidFill>
+          <a:schemeClr val="tx1"/>
+        </a:solidFill>
+        <a:latin typeface="+mn-lt"/>
+        <a:ea typeface="+mn-ea"/>
+        <a:cs typeface="+mn-cs"/>
+      </a:defRPr>
+    </a:lvl6pPr>
+    <a:lvl7pPr marL="2743200" algn="l" defTabSz="914400" rtl="0" eaLnBrk="1" latinLnBrk="0" hangingPunct="1">
+      <a:defRPr sz="1200" kern="1200">
+        <a:solidFill>
+          <a:schemeClr val="tx1"/>
+        </a:solidFill>
+        <a:latin typeface="+mn-lt"/>
+        <a:ea typeface="+mn-ea"/>
+        <a:cs typeface="+mn-cs"/>
+      </a:defRPr>
+    </a:lvl7pPr>
+    <a:lvl8pPr marL="3200400" algn="l" defTabSz="914400" rtl="0" eaLnBrk="1" latinLnBrk="0" hangingPunct="1">
+      <a:defRPr sz="1200" kern="1200">
+        <a:solidFill>
+          <a:schemeClr val="tx1"/>
+        </a:solidFill>
+        <a:latin typeface="+mn-lt"/>
+        <a:ea typeface="+mn-ea"/>
+        <a:cs typeface="+mn-cs"/>
+      </a:defRPr>
+    </a:lvl8pPr>
+    <a:lvl9pPr marL="3657600" algn="l" defTabSz="914400" rtl="0" eaLnBrk="1" latinLnBrk="0" hangingPunct="1">
+      <a:defRPr sz="1200" kern="1200">
+        <a:solidFill>
+          <a:schemeClr val="tx1"/>
+        </a:solidFill>
+        <a:latin typeface="+mn-lt"/>
+        <a:ea typeface="+mn-ea"/>
+        <a:cs typeface="+mn-cs"/>
+      </a:defRPr>
+    </a:lvl9pPr>
+  </p:notesStyle>
+</p:notesMaster>
+</file>
+
+<file path=ppt/notesSlides/notesSlide1.xml><?xml version="1.0" encoding="utf-8"?>
+<p:notes xmlns:a="http://schemas.openxmlformats.org/drawingml/2006/main" xmlns:r="http://schemas.openxmlformats.org/officeDocument/2006/relationships" xmlns:p="http://schemas.openxmlformats.org/presentationml/2006/main">
+  <p:cSld>
+    <p:spTree>
+      <p:nvGrpSpPr>
+        <p:cNvPr id="1" name=""/>
+        <p:cNvGrpSpPr/>
+        <p:nvPr/>
+      </p:nvGrpSpPr>
+      <p:grpSpPr>
+        <a:xfrm>
+          <a:off x="0" y="0"/>
+          <a:ext cx="0" cy="0"/>
+          <a:chOff x="0" y="0"/>
+          <a:chExt cx="0" cy="0"/>
+        </a:xfrm>
+      </p:grpSpPr>
+      <p:sp>
+        <p:nvSpPr>
+          <p:cNvPr id="2" name="Slide Image Placeholder 1"/>
+          <p:cNvSpPr>
+            <a:spLocks noGrp="1" noRot="1" noChangeAspect="1"/>
+          </p:cNvSpPr>
+          <p:nvPr>
+            <p:ph type="sldImg"/>
+          </p:nvPr>
+        </p:nvSpPr>
+        <p:spPr/>
+      </p:sp>
+      <p:sp>
+        <p:nvSpPr>
+          <p:cNvPr id="3" name="Notes Placeholder 2"/>
+          <p:cNvSpPr>
+            <a:spLocks noGrp="1"/>
+          </p:cNvSpPr>
+          <p:nvPr>
+            <p:ph type="body" idx="1"/>
+          </p:nvPr>
+        </p:nvSpPr>
+        <p:spPr/>
+        <p:txBody>
+          <a:bodyPr/>
+          <a:lstStyle/>
+          <a:p>
+            <a:r>
+              <a:rPr lang="en-US" dirty="0"/>
+              <a:t> </a:t>
+            </a:r>
+            <a:r>
+              <a:rPr lang="en-US" dirty="0" err="1"/>
+              <a:t>services.AddDbContext</a:t>
+            </a:r>
+            <a:r>
+              <a:rPr lang="en-US" dirty="0"/>
+              <a:t>&lt;</a:t>
+            </a:r>
+            <a:r>
+              <a:rPr lang="en-US" dirty="0" err="1"/>
+              <a:t>MydbContext</a:t>
+            </a:r>
+            <a:r>
+              <a:rPr lang="en-US" dirty="0"/>
+              <a:t>&gt;(opts =&gt; {</a:t>
+            </a:r>
+          </a:p>
+          <a:p>
+            <a:r>
+              <a:rPr lang="en-US" dirty="0"/>
+              <a:t>                </a:t>
+            </a:r>
+            <a:r>
+              <a:rPr lang="en-US" dirty="0" err="1"/>
+              <a:t>opts.UseSqlServer</a:t>
+            </a:r>
+            <a:r>
+              <a:rPr lang="en-US" dirty="0"/>
+              <a:t>(</a:t>
+            </a:r>
+          </a:p>
+          <a:p>
+            <a:r>
+              <a:rPr lang="en-US" dirty="0"/>
+              <a:t>                Configuration["</a:t>
+            </a:r>
+            <a:r>
+              <a:rPr lang="en-US" dirty="0" err="1"/>
+              <a:t>ConnectionStrings:DBConnection</a:t>
+            </a:r>
+            <a:r>
+              <a:rPr lang="en-US" dirty="0"/>
+              <a:t>"]);</a:t>
+            </a:r>
+          </a:p>
+          <a:p>
+            <a:r>
+              <a:rPr lang="en-US" dirty="0"/>
+              <a:t>            });</a:t>
+            </a:r>
+          </a:p>
+          <a:p>
+            <a:r>
+              <a:rPr lang="en-US"/>
+              <a:t>//---------------------------------------------------</a:t>
+            </a:r>
+            <a:endParaRPr lang="en-US" dirty="0"/>
+          </a:p>
+          <a:p>
+            <a:r>
+              <a:rPr lang="en-US" dirty="0"/>
+              <a:t>{</a:t>
+            </a:r>
+          </a:p>
+          <a:p>
+            <a:r>
+              <a:rPr lang="en-US" dirty="0"/>
+              <a:t>  "Logging": {</a:t>
+            </a:r>
+          </a:p>
+          <a:p>
+            <a:r>
+              <a:rPr lang="en-US" dirty="0"/>
+              <a:t>    "</a:t>
+            </a:r>
+            <a:r>
+              <a:rPr lang="en-US" dirty="0" err="1"/>
+              <a:t>LogLevel</a:t>
+            </a:r>
+            <a:r>
+              <a:rPr lang="en-US" dirty="0"/>
+              <a:t>": {</a:t>
+            </a:r>
+          </a:p>
+          <a:p>
+            <a:r>
+              <a:rPr lang="en-US" dirty="0"/>
+              <a:t>      "Default": "Information",</a:t>
+            </a:r>
+          </a:p>
+          <a:p>
+            <a:r>
+              <a:rPr lang="en-US" dirty="0"/>
+              <a:t>      "Microsoft": "Warning",</a:t>
+            </a:r>
+          </a:p>
+          <a:p>
+            <a:r>
+              <a:rPr lang="en-US" dirty="0"/>
+              <a:t>      "</a:t>
+            </a:r>
+            <a:r>
+              <a:rPr lang="en-US" dirty="0" err="1"/>
+              <a:t>Microsoft.Hosting.Lifetime</a:t>
+            </a:r>
+            <a:r>
+              <a:rPr lang="en-US" dirty="0"/>
+              <a:t>": "Information"</a:t>
+            </a:r>
+          </a:p>
+          <a:p>
+            <a:r>
+              <a:rPr lang="en-US" dirty="0"/>
+              <a:t>    }</a:t>
+            </a:r>
+          </a:p>
+          <a:p>
+            <a:r>
+              <a:rPr lang="en-US" dirty="0"/>
+              <a:t>  },</a:t>
+            </a:r>
+          </a:p>
+          <a:p>
+            <a:r>
+              <a:rPr lang="en-US" dirty="0"/>
+              <a:t>  "</a:t>
+            </a:r>
+            <a:r>
+              <a:rPr lang="en-US" dirty="0" err="1"/>
+              <a:t>AllowedHosts</a:t>
+            </a:r>
+            <a:r>
+              <a:rPr lang="en-US" dirty="0"/>
+              <a:t>": "*",</a:t>
+            </a:r>
+          </a:p>
+          <a:p>
+            <a:r>
+              <a:rPr lang="en-US" dirty="0"/>
+              <a:t>  "</a:t>
+            </a:r>
+            <a:r>
+              <a:rPr lang="en-US" dirty="0" err="1"/>
+              <a:t>ConnectionStrings</a:t>
+            </a:r>
+            <a:r>
+              <a:rPr lang="en-US" dirty="0"/>
+              <a:t>": {</a:t>
+            </a:r>
+          </a:p>
+          <a:p>
+            <a:r>
+              <a:rPr lang="en-US" dirty="0"/>
+              <a:t>    "</a:t>
+            </a:r>
+            <a:r>
+              <a:rPr lang="en-US" dirty="0" err="1"/>
+              <a:t>DBConnection</a:t>
+            </a:r>
+            <a:r>
+              <a:rPr lang="en-US" dirty="0"/>
+              <a:t>": "Data Source=.;Initial Catalog=</a:t>
+            </a:r>
+            <a:r>
+              <a:rPr lang="en-US" dirty="0" err="1"/>
+              <a:t>ArabAuthorsIndex;Integrated</a:t>
+            </a:r>
+            <a:r>
+              <a:rPr lang="en-US" dirty="0"/>
+              <a:t> Security=True",</a:t>
+            </a:r>
+          </a:p>
+          <a:p>
+            <a:r>
+              <a:rPr lang="en-US" dirty="0"/>
+              <a:t>  }</a:t>
+            </a:r>
+          </a:p>
+          <a:p>
+            <a:r>
+              <a:rPr lang="en-US" dirty="0"/>
+              <a:t>}</a:t>
+            </a:r>
+          </a:p>
+          <a:p>
+            <a:endParaRPr lang="en-US" dirty="0"/>
+          </a:p>
+        </p:txBody>
+      </p:sp>
+      <p:sp>
+        <p:nvSpPr>
+          <p:cNvPr id="4" name="Slide Number Placeholder 3"/>
+          <p:cNvSpPr>
+            <a:spLocks noGrp="1"/>
+          </p:cNvSpPr>
+          <p:nvPr>
+            <p:ph type="sldNum" sz="quarter" idx="5"/>
+          </p:nvPr>
+        </p:nvSpPr>
+        <p:spPr/>
+        <p:txBody>
+          <a:bodyPr/>
+          <a:lstStyle/>
+          <a:p>
+            <a:fld id="{047E7178-C702-4FAC-8CE2-6AA4A6E05DED}" type="slidenum">
+              <a:rPr lang="en-US" smtClean="0"/>
+              <a:t>27</a:t>
+            </a:fld>
+            <a:endParaRPr lang="en-US"/>
+          </a:p>
+        </p:txBody>
+      </p:sp>
+    </p:spTree>
+    <p:extLst>
+      <p:ext uri="{BB962C8B-B14F-4D97-AF65-F5344CB8AC3E}">
+        <p14:creationId xmlns:p14="http://schemas.microsoft.com/office/powerpoint/2010/main" val="2554471879"/>
+      </p:ext>
+    </p:extLst>
+  </p:cSld>
+  <p:clrMapOvr>
+    <a:masterClrMapping/>
+  </p:clrMapOvr>
+</p:notes>
+</file>
+
 <file path=ppt/slideLayouts/slideLayout1.xml><?xml version="1.0" encoding="utf-8"?>
 <p:sldLayout xmlns:a="http://schemas.openxmlformats.org/drawingml/2006/main" xmlns:r="http://schemas.openxmlformats.org/officeDocument/2006/relationships" xmlns:p="http://schemas.openxmlformats.org/presentationml/2006/main" type="title" preserve="1">
   <p:cSld name="Title Slide">
@@ -7407,7 +8033,7 @@
           <a:p>
             <a:fld id="{ED291B17-9318-49DB-B28B-6E5994AE9581}" type="datetime1">
               <a:rPr lang="en-US" smtClean="0"/>
-              <a:t>3/19/2021</a:t>
+              <a:t>3/30/2021</a:t>
             </a:fld>
             <a:endParaRPr lang="en-US" dirty="0"/>
           </a:p>
@@ -7610,7 +8236,7 @@
           <a:p>
             <a:fld id="{2CED4963-E985-44C4-B8C4-FDD613B7C2F8}" type="datetime1">
               <a:rPr lang="en-US" smtClean="0"/>
-              <a:t>3/19/2021</a:t>
+              <a:t>3/30/2021</a:t>
             </a:fld>
             <a:endParaRPr lang="en-US" dirty="0"/>
           </a:p>
@@ -7972,7 +8598,7 @@
           <a:p>
             <a:fld id="{ED291B17-9318-49DB-B28B-6E5994AE9581}" type="datetime1">
               <a:rPr lang="en-US" smtClean="0"/>
-              <a:t>3/19/2021</a:t>
+              <a:t>3/30/2021</a:t>
             </a:fld>
             <a:endParaRPr lang="en-US" dirty="0"/>
           </a:p>
@@ -8170,7 +8796,7 @@
           <a:p>
             <a:fld id="{78DD82B9-B8EE-4375-B6FF-88FA6ABB15D9}" type="datetime1">
               <a:rPr lang="en-US" smtClean="0"/>
-              <a:t>3/19/2021</a:t>
+              <a:t>3/30/2021</a:t>
             </a:fld>
             <a:endParaRPr lang="en-US" dirty="0"/>
           </a:p>
@@ -8482,7 +9108,7 @@
           <a:p>
             <a:fld id="{B2497495-0637-405E-AE64-5CC7506D51F5}" type="datetime1">
               <a:rPr lang="en-US" smtClean="0"/>
-              <a:t>3/19/2021</a:t>
+              <a:t>3/30/2021</a:t>
             </a:fld>
             <a:endParaRPr lang="en-US" dirty="0"/>
           </a:p>
@@ -8735,7 +9361,7 @@
           <a:p>
             <a:fld id="{7BFFD690-9426-415D-8B65-26881E07B2D4}" type="datetime1">
               <a:rPr lang="en-US" smtClean="0"/>
-              <a:t>3/19/2021</a:t>
+              <a:t>3/30/2021</a:t>
             </a:fld>
             <a:endParaRPr lang="en-US" dirty="0"/>
           </a:p>
@@ -9157,7 +9783,7 @@
           <a:p>
             <a:fld id="{04C4989A-474C-40DE-95B9-011C28B71673}" type="datetime1">
               <a:rPr lang="en-US" smtClean="0"/>
-              <a:t>3/19/2021</a:t>
+              <a:t>3/30/2021</a:t>
             </a:fld>
             <a:endParaRPr lang="en-US" dirty="0"/>
           </a:p>
@@ -9280,7 +9906,7 @@
           <a:p>
             <a:fld id="{5DB4ED54-5B5E-4A04-93D3-5772E3CE3818}" type="datetime1">
               <a:rPr lang="en-US" smtClean="0"/>
-              <a:t>3/19/2021</a:t>
+              <a:t>3/30/2021</a:t>
             </a:fld>
             <a:endParaRPr lang="en-US" dirty="0"/>
           </a:p>
@@ -9375,7 +10001,7 @@
           <a:p>
             <a:fld id="{4EDE50D6-574B-40AF-946F-D52A04ADE379}" type="datetime1">
               <a:rPr lang="en-US" smtClean="0"/>
-              <a:t>3/19/2021</a:t>
+              <a:t>3/30/2021</a:t>
             </a:fld>
             <a:endParaRPr lang="en-US" dirty="0"/>
           </a:p>
@@ -9752,7 +10378,7 @@
           <a:p>
             <a:fld id="{D82884F1-FFEA-405F-9602-3DCA865EDA4E}" type="datetime1">
               <a:rPr lang="en-US" smtClean="0"/>
-              <a:t>3/19/2021</a:t>
+              <a:t>3/30/2021</a:t>
             </a:fld>
             <a:endParaRPr lang="en-US" dirty="0"/>
           </a:p>
@@ -10045,7 +10671,7 @@
           <a:p>
             <a:fld id="{7E18DB4A-8810-4A10-AD5C-D5E2C667F5B3}" type="datetime1">
               <a:rPr lang="en-US" smtClean="0"/>
-              <a:t>3/19/2021</a:t>
+              <a:t>3/30/2021</a:t>
             </a:fld>
             <a:endParaRPr lang="en-US" dirty="0"/>
           </a:p>
@@ -10260,7 +10886,7 @@
           <a:p>
             <a:fld id="{ED291B17-9318-49DB-B28B-6E5994AE9581}" type="datetime1">
               <a:rPr lang="en-US" smtClean="0"/>
-              <a:t>3/19/2021</a:t>
+              <a:t>3/30/2021</a:t>
             </a:fld>
             <a:endParaRPr lang="en-US" dirty="0"/>
           </a:p>
@@ -11869,7 +12495,19 @@
           <a:p>
             <a:r>
               <a:rPr lang="en-US" dirty="0"/>
-              <a:t>A HashSet&lt;T&gt; collection is not sorted and cannot contain duplicate elements. </a:t>
+              <a:t>A HashSet&lt;T&gt; collection is not sorted and </a:t>
+            </a:r>
+            <a:r>
+              <a:rPr lang="en-US" dirty="0">
+                <a:highlight>
+                  <a:srgbClr val="FFFF00"/>
+                </a:highlight>
+              </a:rPr>
+              <a:t>cannot contain duplicate</a:t>
+            </a:r>
+            <a:r>
+              <a:rPr lang="en-US" dirty="0"/>
+              <a:t> elements. </a:t>
             </a:r>
           </a:p>
           <a:p>
@@ -12205,7 +12843,19 @@
             </a:r>
             <a:r>
               <a:rPr lang="en-US" dirty="0"/>
-              <a:t>will skip a new item if it’s deemed equal to one of the existing items and return false.</a:t>
+              <a:t>will </a:t>
+            </a:r>
+            <a:r>
+              <a:rPr lang="en-US" dirty="0">
+                <a:highlight>
+                  <a:srgbClr val="FFFF00"/>
+                </a:highlight>
+              </a:rPr>
+              <a:t>skip</a:t>
+            </a:r>
+            <a:r>
+              <a:rPr lang="en-US" dirty="0"/>
+              <a:t> a new item if it’s deemed equal to one of the existing items and return false.</a:t>
             </a:r>
           </a:p>
           <a:p>
@@ -12219,7 +12869,19 @@
             </a:r>
             <a:r>
               <a:rPr lang="en-US" dirty="0"/>
-              <a:t>will throw an exception if the new key being added is deemed equal to one of the existing keys. However, if you use the Dictionary‘s indexer instead, it will replace the existing item if the new item is deemed equal to it.</a:t>
+              <a:t>will throw an </a:t>
+            </a:r>
+            <a:r>
+              <a:rPr lang="en-US" dirty="0">
+                <a:highlight>
+                  <a:srgbClr val="FFFF00"/>
+                </a:highlight>
+              </a:rPr>
+              <a:t>exception</a:t>
+            </a:r>
+            <a:r>
+              <a:rPr lang="en-US" dirty="0"/>
+              <a:t> if the new key being added is deemed equal to one of the existing keys. However, if you use the Dictionary‘s indexer instead, it will replace the existing item if the new item is deemed equal to it.</a:t>
             </a:r>
           </a:p>
           <a:p>
@@ -12233,7 +12895,31 @@
             </a:r>
             <a:r>
               <a:rPr lang="en-US" dirty="0"/>
-              <a:t>will simply add the same item twice.</a:t>
+              <a:t>will simply </a:t>
+            </a:r>
+            <a:r>
+              <a:rPr lang="en-US" dirty="0">
+                <a:highlight>
+                  <a:srgbClr val="FFFF00"/>
+                </a:highlight>
+              </a:rPr>
+              <a:t>add</a:t>
+            </a:r>
+            <a:r>
+              <a:rPr lang="en-US" dirty="0"/>
+              <a:t> the same item </a:t>
+            </a:r>
+            <a:r>
+              <a:rPr lang="en-US" dirty="0">
+                <a:highlight>
+                  <a:srgbClr val="FFFF00"/>
+                </a:highlight>
+              </a:rPr>
+              <a:t>twice</a:t>
+            </a:r>
+            <a:r>
+              <a:rPr lang="en-US" dirty="0"/>
+              <a:t>.</a:t>
             </a:r>
           </a:p>
           <a:p>
@@ -15706,7 +16392,7 @@
           <p:nvPr/>
         </p:nvPicPr>
         <p:blipFill>
-          <a:blip r:embed="rId2">
+          <a:blip r:embed="rId3">
             <a:extLst>
               <a:ext uri="{28A0092B-C50C-407E-A947-70E740481C1C}">
                 <a14:useLocalDpi xmlns:a14="http://schemas.microsoft.com/office/drawing/2010/main" val="0"/>
@@ -15800,7 +16486,7 @@
           <p:nvPr/>
         </p:nvPicPr>
         <p:blipFill>
-          <a:blip r:embed="rId3">
+          <a:blip r:embed="rId4">
             <a:extLst>
               <a:ext uri="{28A0092B-C50C-407E-A947-70E740481C1C}">
                 <a14:useLocalDpi xmlns:a14="http://schemas.microsoft.com/office/drawing/2010/main" val="0"/>
@@ -23871,10 +24557,10 @@
       </p:grpSpPr>
       <p:sp>
         <p:nvSpPr>
-          <p:cNvPr id="2" name="Title 1">
+          <p:cNvPr id="7" name="Title 6">
             <a:extLst>
               <a:ext uri="{FF2B5EF4-FFF2-40B4-BE49-F238E27FC236}">
-                <a16:creationId xmlns:a16="http://schemas.microsoft.com/office/drawing/2014/main" id="{1AD2D4F9-9301-4109-8626-3077CB68A79A}"/>
+                <a16:creationId xmlns:a16="http://schemas.microsoft.com/office/drawing/2014/main" id="{A7C513BB-A7E2-4DEB-8B93-2CCF93F4A7D1}"/>
               </a:ext>
             </a:extLst>
           </p:cNvPr>
@@ -23885,24 +24571,34 @@
             <p:ph type="title"/>
           </p:nvPr>
         </p:nvSpPr>
-        <p:spPr/>
+        <p:spPr>
+          <a:xfrm>
+            <a:off x="581192" y="702156"/>
+            <a:ext cx="11029616" cy="543548"/>
+          </a:xfrm>
+        </p:spPr>
         <p:txBody>
           <a:bodyPr/>
           <a:lstStyle/>
           <a:p>
             <a:r>
-              <a:rPr lang="en-US" dirty="0"/>
-              <a:t>API</a:t>
-            </a:r>
+              <a:rPr lang="en-US" cap="none" dirty="0"/>
+              <a:t>Shared \ _</a:t>
+            </a:r>
+            <a:r>
+              <a:rPr lang="en-US" cap="none" dirty="0" err="1"/>
+              <a:t>Layout.cshtml</a:t>
+            </a:r>
+            <a:endParaRPr lang="en-US" cap="none" dirty="0"/>
           </a:p>
         </p:txBody>
       </p:sp>
       <p:sp>
         <p:nvSpPr>
-          <p:cNvPr id="3" name="Text Placeholder 2">
+          <p:cNvPr id="5" name="Content Placeholder 4">
             <a:extLst>
               <a:ext uri="{FF2B5EF4-FFF2-40B4-BE49-F238E27FC236}">
-                <a16:creationId xmlns:a16="http://schemas.microsoft.com/office/drawing/2014/main" id="{8CC1DF71-0255-4F2D-AFE7-18ECF25FEC43}"/>
+                <a16:creationId xmlns:a16="http://schemas.microsoft.com/office/drawing/2014/main" id="{2A186E3D-1C05-4E7D-98AC-D7AAFC091F35}"/>
               </a:ext>
             </a:extLst>
           </p:cNvPr>
@@ -23910,17 +24606,170 @@
             <a:spLocks noGrp="1"/>
           </p:cNvSpPr>
           <p:nvPr>
-            <p:ph type="body" idx="1"/>
+            <p:ph idx="1"/>
           </p:nvPr>
         </p:nvSpPr>
-        <p:spPr/>
+        <p:spPr>
+          <a:xfrm>
+            <a:off x="581192" y="1338470"/>
+            <a:ext cx="11029615" cy="4636880"/>
+          </a:xfrm>
+        </p:spPr>
         <p:txBody>
-          <a:bodyPr/>
+          <a:bodyPr anchor="t" anchorCtr="0">
+            <a:normAutofit/>
+          </a:bodyPr>
           <a:lstStyle/>
           <a:p>
-            <a:r>
-              <a:rPr lang="en-US" dirty="0"/>
-              <a:t>In Details</a:t>
+            <a:pPr marL="0" indent="0">
+              <a:buNone/>
+            </a:pPr>
+            <a:r>
+              <a:rPr lang="en-US" b="1" dirty="0"/>
+              <a:t>Define Optional location</a:t>
+            </a:r>
+          </a:p>
+          <a:p>
+            <a:pPr marL="0" indent="0">
+              <a:buNone/>
+            </a:pPr>
+            <a:r>
+              <a:rPr lang="en-US" dirty="0">
+                <a:highlight>
+                  <a:srgbClr val="FFFF00"/>
+                </a:highlight>
+              </a:rPr>
+              <a:t> @await </a:t>
+            </a:r>
+            <a:r>
+              <a:rPr lang="en-US" dirty="0" err="1">
+                <a:highlight>
+                  <a:srgbClr val="FFFF00"/>
+                </a:highlight>
+              </a:rPr>
+              <a:t>RenderSectionAsync</a:t>
+            </a:r>
+            <a:r>
+              <a:rPr lang="en-US" dirty="0">
+                <a:highlight>
+                  <a:srgbClr val="FFFF00"/>
+                </a:highlight>
+              </a:rPr>
+              <a:t>("</a:t>
+            </a:r>
+            <a:r>
+              <a:rPr lang="en-US" dirty="0" err="1">
+                <a:highlight>
+                  <a:srgbClr val="FFFF00"/>
+                </a:highlight>
+              </a:rPr>
+              <a:t>HeaderScripts</a:t>
+            </a:r>
+            <a:r>
+              <a:rPr lang="en-US" dirty="0">
+                <a:highlight>
+                  <a:srgbClr val="FFFF00"/>
+                </a:highlight>
+              </a:rPr>
+              <a:t>", required: false)</a:t>
+            </a:r>
+          </a:p>
+          <a:p>
+            <a:pPr marL="0" indent="0">
+              <a:buNone/>
+            </a:pPr>
+            <a:endParaRPr lang="en-US" dirty="0"/>
+          </a:p>
+          <a:p>
+            <a:pPr marL="0" indent="0">
+              <a:buNone/>
+            </a:pPr>
+            <a:r>
+              <a:rPr lang="en-US" b="1" dirty="0"/>
+              <a:t>Pass Data to optional location</a:t>
+            </a:r>
+          </a:p>
+          <a:p>
+            <a:pPr marL="0" indent="0">
+              <a:buNone/>
+            </a:pPr>
+            <a:r>
+              <a:rPr lang="en-US" dirty="0">
+                <a:highlight>
+                  <a:srgbClr val="FFFF00"/>
+                </a:highlight>
+              </a:rPr>
+              <a:t>@section Scripts { }</a:t>
+            </a:r>
+            <a:br>
+              <a:rPr lang="en-US" dirty="0"/>
+            </a:br>
+            <a:endParaRPr lang="en-US" dirty="0"/>
+          </a:p>
+          <a:p>
+            <a:pPr marL="0" indent="0">
+              <a:buNone/>
+            </a:pPr>
+            <a:r>
+              <a:rPr lang="en-US" b="1" dirty="0"/>
+              <a:t>Include another HTML file</a:t>
+            </a:r>
+          </a:p>
+          <a:p>
+            <a:pPr marL="0" indent="0">
+              <a:buNone/>
+            </a:pPr>
+            <a:r>
+              <a:rPr lang="en-US" dirty="0">
+                <a:highlight>
+                  <a:srgbClr val="FFFF00"/>
+                </a:highlight>
+              </a:rPr>
+              <a:t> &lt;partial name="</a:t>
+            </a:r>
+            <a:r>
+              <a:rPr lang="en-US" dirty="0" err="1">
+                <a:highlight>
+                  <a:srgbClr val="FFFF00"/>
+                </a:highlight>
+              </a:rPr>
+              <a:t>LayoutHeader</a:t>
+            </a:r>
+            <a:r>
+              <a:rPr lang="en-US" dirty="0">
+                <a:highlight>
+                  <a:srgbClr val="FFFF00"/>
+                </a:highlight>
+              </a:rPr>
+              <a:t>" /&gt;</a:t>
+            </a:r>
+          </a:p>
+          <a:p>
+            <a:pPr marL="0" indent="0">
+              <a:buNone/>
+            </a:pPr>
+            <a:endParaRPr lang="en-US" dirty="0"/>
+          </a:p>
+          <a:p>
+            <a:pPr marL="0" indent="0">
+              <a:buNone/>
+            </a:pPr>
+            <a:r>
+              <a:rPr lang="en-US" b="1" dirty="0"/>
+              <a:t>Points to the main page contents, and its location inside the template</a:t>
+            </a:r>
+          </a:p>
+          <a:p>
+            <a:pPr marL="0" indent="0">
+              <a:buNone/>
+            </a:pPr>
+            <a:r>
+              <a:rPr lang="en-US" dirty="0">
+                <a:highlight>
+                  <a:srgbClr val="FFFF00"/>
+                </a:highlight>
+              </a:rPr>
+              <a:t> @RenderBody()</a:t>
             </a:r>
           </a:p>
         </p:txBody>
@@ -23928,7 +24777,7 @@
     </p:spTree>
     <p:extLst>
       <p:ext uri="{BB962C8B-B14F-4D97-AF65-F5344CB8AC3E}">
-        <p14:creationId xmlns:p14="http://schemas.microsoft.com/office/powerpoint/2010/main" val="1974805932"/>
+        <p14:creationId xmlns:p14="http://schemas.microsoft.com/office/powerpoint/2010/main" val="1913493556"/>
       </p:ext>
     </p:extLst>
   </p:cSld>
@@ -23957,10 +24806,10 @@
       </p:grpSpPr>
       <p:sp>
         <p:nvSpPr>
-          <p:cNvPr id="4" name="Title 3">
+          <p:cNvPr id="2" name="Title 1">
             <a:extLst>
               <a:ext uri="{FF2B5EF4-FFF2-40B4-BE49-F238E27FC236}">
-                <a16:creationId xmlns:a16="http://schemas.microsoft.com/office/drawing/2014/main" id="{FF83559F-0E35-4D5A-9E42-363E232FCDC7}"/>
+                <a16:creationId xmlns:a16="http://schemas.microsoft.com/office/drawing/2014/main" id="{1AD2D4F9-9301-4109-8626-3077CB68A79A}"/>
               </a:ext>
             </a:extLst>
           </p:cNvPr>
@@ -23971,29 +24820,24 @@
             <p:ph type="title"/>
           </p:nvPr>
         </p:nvSpPr>
-        <p:spPr>
-          <a:xfrm>
-            <a:off x="581192" y="702156"/>
-            <a:ext cx="11029616" cy="549869"/>
-          </a:xfrm>
-        </p:spPr>
+        <p:spPr/>
         <p:txBody>
           <a:bodyPr/>
           <a:lstStyle/>
           <a:p>
             <a:r>
               <a:rPr lang="en-US" dirty="0"/>
-              <a:t>How to Create Web API</a:t>
+              <a:t>API</a:t>
             </a:r>
           </a:p>
         </p:txBody>
       </p:sp>
       <p:sp>
         <p:nvSpPr>
-          <p:cNvPr id="5" name="Content Placeholder 4">
+          <p:cNvPr id="3" name="Text Placeholder 2">
             <a:extLst>
               <a:ext uri="{FF2B5EF4-FFF2-40B4-BE49-F238E27FC236}">
-                <a16:creationId xmlns:a16="http://schemas.microsoft.com/office/drawing/2014/main" id="{82FE0D4D-0F53-47E6-92F0-7EFBA29C772C}"/>
+                <a16:creationId xmlns:a16="http://schemas.microsoft.com/office/drawing/2014/main" id="{8CC1DF71-0255-4F2D-AFE7-18ECF25FEC43}"/>
               </a:ext>
             </a:extLst>
           </p:cNvPr>
@@ -24001,321 +24845,17 @@
             <a:spLocks noGrp="1"/>
           </p:cNvSpPr>
           <p:nvPr>
-            <p:ph idx="1"/>
+            <p:ph type="body" idx="1"/>
           </p:nvPr>
         </p:nvSpPr>
-        <p:spPr>
-          <a:xfrm>
-            <a:off x="581192" y="1463040"/>
-            <a:ext cx="11029615" cy="4512310"/>
-          </a:xfrm>
-        </p:spPr>
+        <p:spPr/>
         <p:txBody>
-          <a:bodyPr anchor="t" anchorCtr="0"/>
+          <a:bodyPr/>
           <a:lstStyle/>
           <a:p>
             <a:r>
               <a:rPr lang="en-US" dirty="0"/>
-              <a:t>Right click on “Controllers” &gt; Add &gt; New Item &gt; API Controllers with read/write action</a:t>
-            </a:r>
-          </a:p>
-          <a:p>
-            <a:r>
-              <a:rPr lang="en-US" dirty="0"/>
-              <a:t>API Method return object with type </a:t>
-            </a:r>
-            <a:r>
-              <a:rPr lang="en-US" dirty="0" err="1"/>
-              <a:t>IActionResult</a:t>
-            </a:r>
-            <a:r>
-              <a:rPr lang="en-US" dirty="0"/>
-              <a:t>   or async Task&lt;</a:t>
-            </a:r>
-            <a:r>
-              <a:rPr lang="en-US" dirty="0" err="1"/>
-              <a:t>IActionResult</a:t>
-            </a:r>
-            <a:r>
-              <a:rPr lang="en-US" dirty="0"/>
-              <a:t>&gt;</a:t>
-            </a:r>
-          </a:p>
-          <a:p>
-            <a:r>
-              <a:rPr lang="en-US" dirty="0"/>
-              <a:t>Return results as a List wrap with Ok()</a:t>
-            </a:r>
-          </a:p>
-          <a:p>
-            <a:endParaRPr lang="en-US" dirty="0"/>
-          </a:p>
-          <a:p>
-            <a:pPr marL="0" indent="0">
-              <a:buNone/>
-            </a:pPr>
-            <a:r>
-              <a:rPr lang="en-US" b="1" dirty="0"/>
-              <a:t>Other Valid Responses </a:t>
-            </a:r>
-          </a:p>
-          <a:p>
-            <a:r>
-              <a:rPr lang="es-ES" dirty="0" err="1"/>
-              <a:t>BadRequest</a:t>
-            </a:r>
-            <a:r>
-              <a:rPr lang="es-ES" dirty="0"/>
-              <a:t>();  //Error 400</a:t>
-            </a:r>
-          </a:p>
-          <a:p>
-            <a:r>
-              <a:rPr lang="es-ES" dirty="0" err="1"/>
-              <a:t>NotFound</a:t>
-            </a:r>
-            <a:r>
-              <a:rPr lang="es-ES" dirty="0"/>
-              <a:t>();    //Error 404</a:t>
-            </a:r>
-          </a:p>
-          <a:p>
-            <a:r>
-              <a:rPr lang="es-ES" dirty="0" err="1"/>
-              <a:t>NoContent</a:t>
-            </a:r>
-            <a:r>
-              <a:rPr lang="es-ES" dirty="0"/>
-              <a:t>();</a:t>
-            </a:r>
-            <a:endParaRPr lang="en-US" dirty="0"/>
-          </a:p>
-        </p:txBody>
-      </p:sp>
-      <p:sp>
-        <p:nvSpPr>
-          <p:cNvPr id="6" name="Rectangle 5">
-            <a:extLst>
-              <a:ext uri="{FF2B5EF4-FFF2-40B4-BE49-F238E27FC236}">
-                <a16:creationId xmlns:a16="http://schemas.microsoft.com/office/drawing/2014/main" id="{AFC9E9E9-9A93-4A9A-864C-6015797A4B25}"/>
-              </a:ext>
-            </a:extLst>
-          </p:cNvPr>
-          <p:cNvSpPr/>
-          <p:nvPr/>
-        </p:nvSpPr>
-        <p:spPr>
-          <a:xfrm>
-            <a:off x="4131212" y="3005354"/>
-            <a:ext cx="7840396" cy="3693319"/>
-          </a:xfrm>
-          <a:prstGeom prst="rect">
-            <a:avLst/>
-          </a:prstGeom>
-          <a:solidFill>
-            <a:schemeClr val="accent1">
-              <a:lumMod val="20000"/>
-              <a:lumOff val="80000"/>
-            </a:schemeClr>
-          </a:solidFill>
-          <a:ln>
-            <a:solidFill>
-              <a:schemeClr val="accent1"/>
-            </a:solidFill>
-          </a:ln>
-        </p:spPr>
-        <p:txBody>
-          <a:bodyPr wrap="square">
-            <a:spAutoFit/>
-          </a:bodyPr>
-          <a:lstStyle/>
-          <a:p>
-            <a:r>
-              <a:rPr lang="en-US" dirty="0"/>
-              <a:t>        private </a:t>
-            </a:r>
-            <a:r>
-              <a:rPr lang="en-US" dirty="0" err="1"/>
-              <a:t>readonly</a:t>
-            </a:r>
-            <a:r>
-              <a:rPr lang="en-US" dirty="0"/>
-              <a:t> </a:t>
-            </a:r>
-            <a:r>
-              <a:rPr lang="en-US" dirty="0" err="1"/>
-              <a:t>MyDBContext</a:t>
-            </a:r>
-            <a:r>
-              <a:rPr lang="en-US" dirty="0"/>
-              <a:t> _context;</a:t>
-            </a:r>
-          </a:p>
-          <a:p>
-            <a:endParaRPr lang="en-US" dirty="0"/>
-          </a:p>
-          <a:p>
-            <a:r>
-              <a:rPr lang="en-US" dirty="0"/>
-              <a:t>        public </a:t>
-            </a:r>
-            <a:r>
-              <a:rPr lang="en-US" dirty="0" err="1"/>
-              <a:t>API_InfoController</a:t>
-            </a:r>
-            <a:r>
-              <a:rPr lang="en-US" dirty="0"/>
-              <a:t>(</a:t>
-            </a:r>
-            <a:r>
-              <a:rPr lang="en-US" dirty="0" err="1"/>
-              <a:t>MyDBContext</a:t>
-            </a:r>
-            <a:r>
-              <a:rPr lang="en-US" dirty="0"/>
-              <a:t> context)</a:t>
-            </a:r>
-          </a:p>
-          <a:p>
-            <a:r>
-              <a:rPr lang="en-US" dirty="0"/>
-              <a:t>        {</a:t>
-            </a:r>
-          </a:p>
-          <a:p>
-            <a:r>
-              <a:rPr lang="en-US" dirty="0"/>
-              <a:t>            _context = context;</a:t>
-            </a:r>
-          </a:p>
-          <a:p>
-            <a:r>
-              <a:rPr lang="en-US" dirty="0"/>
-              <a:t>        }</a:t>
-            </a:r>
-          </a:p>
-          <a:p>
-            <a:endParaRPr lang="en-US" dirty="0"/>
-          </a:p>
-          <a:p>
-            <a:r>
-              <a:rPr lang="en-US" dirty="0"/>
-              <a:t>        // GET: </a:t>
-            </a:r>
-            <a:r>
-              <a:rPr lang="en-US" dirty="0" err="1"/>
-              <a:t>api</a:t>
-            </a:r>
-            <a:r>
-              <a:rPr lang="en-US" dirty="0"/>
-              <a:t>/</a:t>
-            </a:r>
-            <a:r>
-              <a:rPr lang="en-US" dirty="0" err="1"/>
-              <a:t>API_Info</a:t>
-            </a:r>
-            <a:endParaRPr lang="en-US" dirty="0"/>
-          </a:p>
-          <a:p>
-            <a:r>
-              <a:rPr lang="en-US" dirty="0"/>
-              <a:t>        [</a:t>
-            </a:r>
-            <a:r>
-              <a:rPr lang="en-US" dirty="0" err="1"/>
-              <a:t>HttpGet</a:t>
-            </a:r>
-            <a:r>
-              <a:rPr lang="en-US" dirty="0"/>
-              <a:t>]</a:t>
-            </a:r>
-          </a:p>
-          <a:p>
-            <a:r>
-              <a:rPr lang="en-US" dirty="0"/>
-              <a:t>        public </a:t>
-            </a:r>
-            <a:r>
-              <a:rPr lang="en-US" dirty="0" err="1"/>
-              <a:t>IActionResult</a:t>
-            </a:r>
-            <a:r>
-              <a:rPr lang="en-US" dirty="0"/>
-              <a:t> Get()</a:t>
-            </a:r>
-          </a:p>
-          <a:p>
-            <a:r>
-              <a:rPr lang="en-US" dirty="0"/>
-              <a:t>        {</a:t>
-            </a:r>
-          </a:p>
-          <a:p>
-            <a:r>
-              <a:rPr lang="en-US" dirty="0"/>
-              <a:t>            return </a:t>
-            </a:r>
-            <a:r>
-              <a:rPr lang="en-US" dirty="0">
-                <a:highlight>
-                  <a:srgbClr val="FFFF00"/>
-                </a:highlight>
-              </a:rPr>
-              <a:t>Ok(_</a:t>
-            </a:r>
-            <a:r>
-              <a:rPr lang="en-US" dirty="0" err="1">
-                <a:highlight>
-                  <a:srgbClr val="FFFF00"/>
-                </a:highlight>
-              </a:rPr>
-              <a:t>context.ProjectLocations.Include</a:t>
-            </a:r>
-            <a:r>
-              <a:rPr lang="en-US" dirty="0">
-                <a:highlight>
-                  <a:srgbClr val="FFFF00"/>
-                </a:highlight>
-              </a:rPr>
-              <a:t>(x =&gt; </a:t>
-            </a:r>
-            <a:r>
-              <a:rPr lang="en-US" dirty="0" err="1">
-                <a:highlight>
-                  <a:srgbClr val="FFFF00"/>
-                </a:highlight>
-              </a:rPr>
-              <a:t>x.Attendace</a:t>
-            </a:r>
-            <a:r>
-              <a:rPr lang="en-US" dirty="0">
-                <a:highlight>
-                  <a:srgbClr val="FFFF00"/>
-                </a:highlight>
-              </a:rPr>
-              <a:t>).</a:t>
-            </a:r>
-            <a:r>
-              <a:rPr lang="en-US" dirty="0" err="1">
-                <a:highlight>
-                  <a:srgbClr val="FFFF00"/>
-                </a:highlight>
-              </a:rPr>
-              <a:t>ToList</a:t>
-            </a:r>
-            <a:r>
-              <a:rPr lang="en-US" dirty="0">
-                <a:highlight>
-                  <a:srgbClr val="FFFF00"/>
-                </a:highlight>
-              </a:rPr>
-              <a:t>());</a:t>
-            </a:r>
-          </a:p>
-          <a:p>
-            <a:r>
-              <a:rPr lang="en-US" dirty="0"/>
-              <a:t>        }</a:t>
+              <a:t>In Details</a:t>
             </a:r>
           </a:p>
         </p:txBody>
@@ -24323,7 +24863,7 @@
     </p:spTree>
     <p:extLst>
       <p:ext uri="{BB962C8B-B14F-4D97-AF65-F5344CB8AC3E}">
-        <p14:creationId xmlns:p14="http://schemas.microsoft.com/office/powerpoint/2010/main" val="3544325889"/>
+        <p14:creationId xmlns:p14="http://schemas.microsoft.com/office/powerpoint/2010/main" val="1974805932"/>
       </p:ext>
     </p:extLst>
   </p:cSld>
@@ -24907,6 +25447,401 @@
 </file>
 
 <file path=ppt/slides/slide70.xml><?xml version="1.0" encoding="utf-8"?>
+<p:sld xmlns:a="http://schemas.openxmlformats.org/drawingml/2006/main" xmlns:r="http://schemas.openxmlformats.org/officeDocument/2006/relationships" xmlns:p="http://schemas.openxmlformats.org/presentationml/2006/main">
+  <p:cSld>
+    <p:spTree>
+      <p:nvGrpSpPr>
+        <p:cNvPr id="1" name=""/>
+        <p:cNvGrpSpPr/>
+        <p:nvPr/>
+      </p:nvGrpSpPr>
+      <p:grpSpPr>
+        <a:xfrm>
+          <a:off x="0" y="0"/>
+          <a:ext cx="0" cy="0"/>
+          <a:chOff x="0" y="0"/>
+          <a:chExt cx="0" cy="0"/>
+        </a:xfrm>
+      </p:grpSpPr>
+      <p:sp>
+        <p:nvSpPr>
+          <p:cNvPr id="4" name="Title 3">
+            <a:extLst>
+              <a:ext uri="{FF2B5EF4-FFF2-40B4-BE49-F238E27FC236}">
+                <a16:creationId xmlns:a16="http://schemas.microsoft.com/office/drawing/2014/main" id="{FF83559F-0E35-4D5A-9E42-363E232FCDC7}"/>
+              </a:ext>
+            </a:extLst>
+          </p:cNvPr>
+          <p:cNvSpPr>
+            <a:spLocks noGrp="1"/>
+          </p:cNvSpPr>
+          <p:nvPr>
+            <p:ph type="title"/>
+          </p:nvPr>
+        </p:nvSpPr>
+        <p:spPr>
+          <a:xfrm>
+            <a:off x="581192" y="702156"/>
+            <a:ext cx="11029616" cy="549869"/>
+          </a:xfrm>
+        </p:spPr>
+        <p:txBody>
+          <a:bodyPr/>
+          <a:lstStyle/>
+          <a:p>
+            <a:r>
+              <a:rPr lang="en-US" dirty="0"/>
+              <a:t>How to Create Web API</a:t>
+            </a:r>
+          </a:p>
+        </p:txBody>
+      </p:sp>
+      <p:sp>
+        <p:nvSpPr>
+          <p:cNvPr id="5" name="Content Placeholder 4">
+            <a:extLst>
+              <a:ext uri="{FF2B5EF4-FFF2-40B4-BE49-F238E27FC236}">
+                <a16:creationId xmlns:a16="http://schemas.microsoft.com/office/drawing/2014/main" id="{82FE0D4D-0F53-47E6-92F0-7EFBA29C772C}"/>
+              </a:ext>
+            </a:extLst>
+          </p:cNvPr>
+          <p:cNvSpPr>
+            <a:spLocks noGrp="1"/>
+          </p:cNvSpPr>
+          <p:nvPr>
+            <p:ph idx="1"/>
+          </p:nvPr>
+        </p:nvSpPr>
+        <p:spPr>
+          <a:xfrm>
+            <a:off x="581192" y="1463040"/>
+            <a:ext cx="11029615" cy="4512310"/>
+          </a:xfrm>
+        </p:spPr>
+        <p:txBody>
+          <a:bodyPr anchor="t" anchorCtr="0"/>
+          <a:lstStyle/>
+          <a:p>
+            <a:r>
+              <a:rPr lang="en-US" dirty="0"/>
+              <a:t>Right click on “Controllers” &gt; Add &gt; New Item &gt; API Controllers with read/write action</a:t>
+            </a:r>
+          </a:p>
+          <a:p>
+            <a:r>
+              <a:rPr lang="en-US" dirty="0"/>
+              <a:t>API Method return object with type </a:t>
+            </a:r>
+            <a:r>
+              <a:rPr lang="en-US" dirty="0" err="1"/>
+              <a:t>IActionResult</a:t>
+            </a:r>
+            <a:r>
+              <a:rPr lang="en-US" dirty="0"/>
+              <a:t>   or async Task&lt;</a:t>
+            </a:r>
+            <a:r>
+              <a:rPr lang="en-US" dirty="0" err="1"/>
+              <a:t>IActionResult</a:t>
+            </a:r>
+            <a:r>
+              <a:rPr lang="en-US" dirty="0"/>
+              <a:t>&gt;</a:t>
+            </a:r>
+          </a:p>
+          <a:p>
+            <a:r>
+              <a:rPr lang="en-US" dirty="0"/>
+              <a:t>Return results as a List wrap with Ok()</a:t>
+            </a:r>
+          </a:p>
+          <a:p>
+            <a:endParaRPr lang="en-US" dirty="0"/>
+          </a:p>
+          <a:p>
+            <a:pPr marL="0" indent="0">
+              <a:buNone/>
+            </a:pPr>
+            <a:r>
+              <a:rPr lang="en-US" b="1" dirty="0"/>
+              <a:t>Other Valid Responses </a:t>
+            </a:r>
+          </a:p>
+          <a:p>
+            <a:r>
+              <a:rPr lang="es-ES" dirty="0" err="1"/>
+              <a:t>BadRequest</a:t>
+            </a:r>
+            <a:r>
+              <a:rPr lang="es-ES" dirty="0"/>
+              <a:t>();  //Error 400</a:t>
+            </a:r>
+          </a:p>
+          <a:p>
+            <a:r>
+              <a:rPr lang="es-ES" dirty="0" err="1"/>
+              <a:t>NotFound</a:t>
+            </a:r>
+            <a:r>
+              <a:rPr lang="es-ES" dirty="0"/>
+              <a:t>();    //Error 404</a:t>
+            </a:r>
+          </a:p>
+          <a:p>
+            <a:r>
+              <a:rPr lang="es-ES" dirty="0" err="1"/>
+              <a:t>NoContent</a:t>
+            </a:r>
+            <a:r>
+              <a:rPr lang="es-ES" dirty="0"/>
+              <a:t>();</a:t>
+            </a:r>
+            <a:endParaRPr lang="en-US" dirty="0"/>
+          </a:p>
+        </p:txBody>
+      </p:sp>
+      <p:sp>
+        <p:nvSpPr>
+          <p:cNvPr id="6" name="Rectangle 5">
+            <a:extLst>
+              <a:ext uri="{FF2B5EF4-FFF2-40B4-BE49-F238E27FC236}">
+                <a16:creationId xmlns:a16="http://schemas.microsoft.com/office/drawing/2014/main" id="{AFC9E9E9-9A93-4A9A-864C-6015797A4B25}"/>
+              </a:ext>
+            </a:extLst>
+          </p:cNvPr>
+          <p:cNvSpPr/>
+          <p:nvPr/>
+        </p:nvSpPr>
+        <p:spPr>
+          <a:xfrm>
+            <a:off x="4131212" y="3005354"/>
+            <a:ext cx="7840396" cy="3693319"/>
+          </a:xfrm>
+          <a:prstGeom prst="rect">
+            <a:avLst/>
+          </a:prstGeom>
+          <a:solidFill>
+            <a:schemeClr val="accent1">
+              <a:lumMod val="20000"/>
+              <a:lumOff val="80000"/>
+            </a:schemeClr>
+          </a:solidFill>
+          <a:ln>
+            <a:solidFill>
+              <a:schemeClr val="accent1"/>
+            </a:solidFill>
+          </a:ln>
+        </p:spPr>
+        <p:txBody>
+          <a:bodyPr wrap="square">
+            <a:spAutoFit/>
+          </a:bodyPr>
+          <a:lstStyle/>
+          <a:p>
+            <a:r>
+              <a:rPr lang="en-US" dirty="0"/>
+              <a:t>        private </a:t>
+            </a:r>
+            <a:r>
+              <a:rPr lang="en-US" dirty="0" err="1"/>
+              <a:t>readonly</a:t>
+            </a:r>
+            <a:r>
+              <a:rPr lang="en-US" dirty="0"/>
+              <a:t> </a:t>
+            </a:r>
+            <a:r>
+              <a:rPr lang="en-US" dirty="0" err="1"/>
+              <a:t>MyDBContext</a:t>
+            </a:r>
+            <a:r>
+              <a:rPr lang="en-US" dirty="0"/>
+              <a:t> _context;</a:t>
+            </a:r>
+          </a:p>
+          <a:p>
+            <a:endParaRPr lang="en-US" dirty="0"/>
+          </a:p>
+          <a:p>
+            <a:r>
+              <a:rPr lang="en-US" dirty="0"/>
+              <a:t>        public </a:t>
+            </a:r>
+            <a:r>
+              <a:rPr lang="en-US" dirty="0" err="1"/>
+              <a:t>API_InfoController</a:t>
+            </a:r>
+            <a:r>
+              <a:rPr lang="en-US" dirty="0"/>
+              <a:t>(</a:t>
+            </a:r>
+            <a:r>
+              <a:rPr lang="en-US" dirty="0" err="1"/>
+              <a:t>MyDBContext</a:t>
+            </a:r>
+            <a:r>
+              <a:rPr lang="en-US" dirty="0"/>
+              <a:t> context)</a:t>
+            </a:r>
+          </a:p>
+          <a:p>
+            <a:r>
+              <a:rPr lang="en-US" dirty="0"/>
+              <a:t>        {</a:t>
+            </a:r>
+          </a:p>
+          <a:p>
+            <a:r>
+              <a:rPr lang="en-US" dirty="0"/>
+              <a:t>            _context = context;</a:t>
+            </a:r>
+          </a:p>
+          <a:p>
+            <a:r>
+              <a:rPr lang="en-US" dirty="0"/>
+              <a:t>        }</a:t>
+            </a:r>
+          </a:p>
+          <a:p>
+            <a:endParaRPr lang="en-US" dirty="0"/>
+          </a:p>
+          <a:p>
+            <a:r>
+              <a:rPr lang="en-US" dirty="0"/>
+              <a:t>        // GET: </a:t>
+            </a:r>
+            <a:r>
+              <a:rPr lang="en-US" dirty="0" err="1"/>
+              <a:t>api</a:t>
+            </a:r>
+            <a:r>
+              <a:rPr lang="en-US" dirty="0"/>
+              <a:t>/</a:t>
+            </a:r>
+            <a:r>
+              <a:rPr lang="en-US" dirty="0" err="1"/>
+              <a:t>API_Info</a:t>
+            </a:r>
+            <a:endParaRPr lang="en-US" dirty="0"/>
+          </a:p>
+          <a:p>
+            <a:r>
+              <a:rPr lang="en-US" dirty="0"/>
+              <a:t>        [</a:t>
+            </a:r>
+            <a:r>
+              <a:rPr lang="en-US" dirty="0" err="1"/>
+              <a:t>HttpGet</a:t>
+            </a:r>
+            <a:r>
+              <a:rPr lang="en-US" dirty="0"/>
+              <a:t>]</a:t>
+            </a:r>
+          </a:p>
+          <a:p>
+            <a:r>
+              <a:rPr lang="en-US" dirty="0"/>
+              <a:t>        public </a:t>
+            </a:r>
+            <a:r>
+              <a:rPr lang="en-US" dirty="0" err="1"/>
+              <a:t>IActionResult</a:t>
+            </a:r>
+            <a:r>
+              <a:rPr lang="en-US" dirty="0"/>
+              <a:t> Get()</a:t>
+            </a:r>
+          </a:p>
+          <a:p>
+            <a:r>
+              <a:rPr lang="en-US" dirty="0"/>
+              <a:t>        {</a:t>
+            </a:r>
+          </a:p>
+          <a:p>
+            <a:r>
+              <a:rPr lang="en-US" dirty="0"/>
+              <a:t>            return </a:t>
+            </a:r>
+            <a:r>
+              <a:rPr lang="en-US" dirty="0">
+                <a:highlight>
+                  <a:srgbClr val="FFFF00"/>
+                </a:highlight>
+              </a:rPr>
+              <a:t>Ok(_</a:t>
+            </a:r>
+            <a:r>
+              <a:rPr lang="en-US" dirty="0" err="1">
+                <a:highlight>
+                  <a:srgbClr val="FFFF00"/>
+                </a:highlight>
+              </a:rPr>
+              <a:t>context.ProjectLocations.Include</a:t>
+            </a:r>
+            <a:r>
+              <a:rPr lang="en-US" dirty="0">
+                <a:highlight>
+                  <a:srgbClr val="FFFF00"/>
+                </a:highlight>
+              </a:rPr>
+              <a:t>(x =&gt; </a:t>
+            </a:r>
+            <a:r>
+              <a:rPr lang="en-US" dirty="0" err="1">
+                <a:highlight>
+                  <a:srgbClr val="FFFF00"/>
+                </a:highlight>
+              </a:rPr>
+              <a:t>x.Attendace</a:t>
+            </a:r>
+            <a:r>
+              <a:rPr lang="en-US" dirty="0">
+                <a:highlight>
+                  <a:srgbClr val="FFFF00"/>
+                </a:highlight>
+              </a:rPr>
+              <a:t>).</a:t>
+            </a:r>
+            <a:r>
+              <a:rPr lang="en-US" dirty="0" err="1">
+                <a:highlight>
+                  <a:srgbClr val="FFFF00"/>
+                </a:highlight>
+              </a:rPr>
+              <a:t>ToList</a:t>
+            </a:r>
+            <a:r>
+              <a:rPr lang="en-US" dirty="0">
+                <a:highlight>
+                  <a:srgbClr val="FFFF00"/>
+                </a:highlight>
+              </a:rPr>
+              <a:t>());</a:t>
+            </a:r>
+          </a:p>
+          <a:p>
+            <a:r>
+              <a:rPr lang="en-US" dirty="0"/>
+              <a:t>        }</a:t>
+            </a:r>
+          </a:p>
+        </p:txBody>
+      </p:sp>
+    </p:spTree>
+    <p:extLst>
+      <p:ext uri="{BB962C8B-B14F-4D97-AF65-F5344CB8AC3E}">
+        <p14:creationId xmlns:p14="http://schemas.microsoft.com/office/powerpoint/2010/main" val="3544325889"/>
+      </p:ext>
+    </p:extLst>
+  </p:cSld>
+  <p:clrMapOvr>
+    <a:masterClrMapping/>
+  </p:clrMapOvr>
+</p:sld>
+</file>
+
+<file path=ppt/slides/slide71.xml><?xml version="1.0" encoding="utf-8"?>
 <p:sld xmlns:a="http://schemas.openxmlformats.org/drawingml/2006/main" xmlns:r="http://schemas.openxmlformats.org/officeDocument/2006/relationships" xmlns:p="http://schemas.openxmlformats.org/presentationml/2006/main">
   <p:cSld>
     <p:bg>
@@ -25816,7 +26751,7 @@
           <p:nvPr>
             <p:extLst>
               <p:ext uri="{D42A27DB-BD31-4B8C-83A1-F6EECF244321}">
-                <p14:modId xmlns:p14="http://schemas.microsoft.com/office/powerpoint/2010/main" val="2533982455"/>
+                <p14:modId xmlns:p14="http://schemas.microsoft.com/office/powerpoint/2010/main" val="3399316367"/>
               </p:ext>
             </p:extLst>
           </p:nvPr>
@@ -25947,7 +26882,19 @@
                       </a:pPr>
                       <a:r>
                         <a:rPr lang="en-US" dirty="0"/>
-                        <a:t>Array is a fixed-size collection with random access (i.e. you can index into it).</a:t>
+                        <a:t>Array is </a:t>
+                      </a:r>
+                      <a:r>
+                        <a:rPr lang="en-US" dirty="0">
+                          <a:highlight>
+                            <a:srgbClr val="FFFF00"/>
+                          </a:highlight>
+                        </a:rPr>
+                        <a:t>a fixed-size </a:t>
+                      </a:r>
+                      <a:r>
+                        <a:rPr lang="en-US" dirty="0"/>
+                        <a:t>collection with random access (i.e. you can index into it).</a:t>
                       </a:r>
                     </a:p>
                     <a:p>
@@ -26039,7 +26986,19 @@
                       </a:br>
                       <a:r>
                         <a:rPr lang="en-US" dirty="0"/>
-                        <a:t>but not a Sort().</a:t>
+                        <a:t>but </a:t>
+                      </a:r>
+                      <a:r>
+                        <a:rPr lang="en-US" dirty="0">
+                          <a:highlight>
+                            <a:srgbClr val="FFFF00"/>
+                          </a:highlight>
+                        </a:rPr>
+                        <a:t>not a Sort</a:t>
+                      </a:r>
+                      <a:r>
+                        <a:rPr lang="en-US" dirty="0"/>
+                        <a:t>().</a:t>
                       </a:r>
                       <a:br>
                         <a:rPr lang="en-US" dirty="0"/>
@@ -26152,7 +27111,11 @@
                     <a:lstStyle/>
                     <a:p>
                       <a:r>
-                        <a:rPr lang="en-US" dirty="0" err="1"/>
+                        <a:rPr lang="en-US" dirty="0" err="1">
+                          <a:highlight>
+                            <a:srgbClr val="FFFF00"/>
+                          </a:highlight>
+                        </a:rPr>
                         <a:t>Readonly</a:t>
                       </a:r>
                       <a:r>
@@ -26682,16 +27645,302 @@
 </a:theme>
 </file>
 
-<file path=customXml/item1.xml><?xml version="1.0" encoding="utf-8"?>
-<p:properties xmlns:p="http://schemas.microsoft.com/office/2006/metadata/properties" xmlns:xsi="http://www.w3.org/2001/XMLSchema-instance" xmlns:pc="http://schemas.microsoft.com/office/infopath/2007/PartnerControls">
-  <documentManagement>
-    <Status xmlns="71af3243-3dd4-4a8d-8c0d-dd76da1f02a5">Not started</Status>
-    <MediaServiceKeyPoints xmlns="71af3243-3dd4-4a8d-8c0d-dd76da1f02a5" xsi:nil="true"/>
-  </documentManagement>
-</p:properties>
+<file path=ppt/theme/theme2.xml><?xml version="1.0" encoding="utf-8"?>
+<a:theme xmlns:a="http://schemas.openxmlformats.org/drawingml/2006/main" name="Office Theme">
+  <a:themeElements>
+    <a:clrScheme name="Office">
+      <a:dk1>
+        <a:sysClr val="windowText" lastClr="000000"/>
+      </a:dk1>
+      <a:lt1>
+        <a:sysClr val="window" lastClr="FFFFFF"/>
+      </a:lt1>
+      <a:dk2>
+        <a:srgbClr val="44546A"/>
+      </a:dk2>
+      <a:lt2>
+        <a:srgbClr val="E7E6E6"/>
+      </a:lt2>
+      <a:accent1>
+        <a:srgbClr val="4472C4"/>
+      </a:accent1>
+      <a:accent2>
+        <a:srgbClr val="ED7D31"/>
+      </a:accent2>
+      <a:accent3>
+        <a:srgbClr val="A5A5A5"/>
+      </a:accent3>
+      <a:accent4>
+        <a:srgbClr val="FFC000"/>
+      </a:accent4>
+      <a:accent5>
+        <a:srgbClr val="5B9BD5"/>
+      </a:accent5>
+      <a:accent6>
+        <a:srgbClr val="70AD47"/>
+      </a:accent6>
+      <a:hlink>
+        <a:srgbClr val="0563C1"/>
+      </a:hlink>
+      <a:folHlink>
+        <a:srgbClr val="954F72"/>
+      </a:folHlink>
+    </a:clrScheme>
+    <a:fontScheme name="Office">
+      <a:majorFont>
+        <a:latin typeface="Calibri Light" panose="020F0302020204030204"/>
+        <a:ea typeface=""/>
+        <a:cs typeface=""/>
+        <a:font script="Jpan" typeface="游ゴシック Light"/>
+        <a:font script="Hang" typeface="맑은 고딕"/>
+        <a:font script="Hans" typeface="等线 Light"/>
+        <a:font script="Hant" typeface="新細明體"/>
+        <a:font script="Arab" typeface="Times New Roman"/>
+        <a:font script="Hebr" typeface="Times New Roman"/>
+        <a:font script="Thai" typeface="Angsana New"/>
+        <a:font script="Ethi" typeface="Nyala"/>
+        <a:font script="Beng" typeface="Vrinda"/>
+        <a:font script="Gujr" typeface="Shruti"/>
+        <a:font script="Khmr" typeface="MoolBoran"/>
+        <a:font script="Knda" typeface="Tunga"/>
+        <a:font script="Guru" typeface="Raavi"/>
+        <a:font script="Cans" typeface="Euphemia"/>
+        <a:font script="Cher" typeface="Plantagenet Cherokee"/>
+        <a:font script="Yiii" typeface="Microsoft Yi Baiti"/>
+        <a:font script="Tibt" typeface="Microsoft Himalaya"/>
+        <a:font script="Thaa" typeface="MV Boli"/>
+        <a:font script="Deva" typeface="Mangal"/>
+        <a:font script="Telu" typeface="Gautami"/>
+        <a:font script="Taml" typeface="Latha"/>
+        <a:font script="Syrc" typeface="Estrangelo Edessa"/>
+        <a:font script="Orya" typeface="Kalinga"/>
+        <a:font script="Mlym" typeface="Kartika"/>
+        <a:font script="Laoo" typeface="DokChampa"/>
+        <a:font script="Sinh" typeface="Iskoola Pota"/>
+        <a:font script="Mong" typeface="Mongolian Baiti"/>
+        <a:font script="Viet" typeface="Times New Roman"/>
+        <a:font script="Uigh" typeface="Microsoft Uighur"/>
+        <a:font script="Geor" typeface="Sylfaen"/>
+        <a:font script="Armn" typeface="Arial"/>
+        <a:font script="Bugi" typeface="Leelawadee UI"/>
+        <a:font script="Bopo" typeface="Microsoft JhengHei"/>
+        <a:font script="Java" typeface="Javanese Text"/>
+        <a:font script="Lisu" typeface="Segoe UI"/>
+        <a:font script="Mymr" typeface="Myanmar Text"/>
+        <a:font script="Nkoo" typeface="Ebrima"/>
+        <a:font script="Olck" typeface="Nirmala UI"/>
+        <a:font script="Osma" typeface="Ebrima"/>
+        <a:font script="Phag" typeface="Phagspa"/>
+        <a:font script="Syrn" typeface="Estrangelo Edessa"/>
+        <a:font script="Syrj" typeface="Estrangelo Edessa"/>
+        <a:font script="Syre" typeface="Estrangelo Edessa"/>
+        <a:font script="Sora" typeface="Nirmala UI"/>
+        <a:font script="Tale" typeface="Microsoft Tai Le"/>
+        <a:font script="Talu" typeface="Microsoft New Tai Lue"/>
+        <a:font script="Tfng" typeface="Ebrima"/>
+      </a:majorFont>
+      <a:minorFont>
+        <a:latin typeface="Calibri" panose="020F0502020204030204"/>
+        <a:ea typeface=""/>
+        <a:cs typeface=""/>
+        <a:font script="Jpan" typeface="游ゴシック"/>
+        <a:font script="Hang" typeface="맑은 고딕"/>
+        <a:font script="Hans" typeface="等线"/>
+        <a:font script="Hant" typeface="新細明體"/>
+        <a:font script="Arab" typeface="Arial"/>
+        <a:font script="Hebr" typeface="Arial"/>
+        <a:font script="Thai" typeface="Cordia New"/>
+        <a:font script="Ethi" typeface="Nyala"/>
+        <a:font script="Beng" typeface="Vrinda"/>
+        <a:font script="Gujr" typeface="Shruti"/>
+        <a:font script="Khmr" typeface="DaunPenh"/>
+        <a:font script="Knda" typeface="Tunga"/>
+        <a:font script="Guru" typeface="Raavi"/>
+        <a:font script="Cans" typeface="Euphemia"/>
+        <a:font script="Cher" typeface="Plantagenet Cherokee"/>
+        <a:font script="Yiii" typeface="Microsoft Yi Baiti"/>
+        <a:font script="Tibt" typeface="Microsoft Himalaya"/>
+        <a:font script="Thaa" typeface="MV Boli"/>
+        <a:font script="Deva" typeface="Mangal"/>
+        <a:font script="Telu" typeface="Gautami"/>
+        <a:font script="Taml" typeface="Latha"/>
+        <a:font script="Syrc" typeface="Estrangelo Edessa"/>
+        <a:font script="Orya" typeface="Kalinga"/>
+        <a:font script="Mlym" typeface="Kartika"/>
+        <a:font script="Laoo" typeface="DokChampa"/>
+        <a:font script="Sinh" typeface="Iskoola Pota"/>
+        <a:font script="Mong" typeface="Mongolian Baiti"/>
+        <a:font script="Viet" typeface="Arial"/>
+        <a:font script="Uigh" typeface="Microsoft Uighur"/>
+        <a:font script="Geor" typeface="Sylfaen"/>
+        <a:font script="Armn" typeface="Arial"/>
+        <a:font script="Bugi" typeface="Leelawadee UI"/>
+        <a:font script="Bopo" typeface="Microsoft JhengHei"/>
+        <a:font script="Java" typeface="Javanese Text"/>
+        <a:font script="Lisu" typeface="Segoe UI"/>
+        <a:font script="Mymr" typeface="Myanmar Text"/>
+        <a:font script="Nkoo" typeface="Ebrima"/>
+        <a:font script="Olck" typeface="Nirmala UI"/>
+        <a:font script="Osma" typeface="Ebrima"/>
+        <a:font script="Phag" typeface="Phagspa"/>
+        <a:font script="Syrn" typeface="Estrangelo Edessa"/>
+        <a:font script="Syrj" typeface="Estrangelo Edessa"/>
+        <a:font script="Syre" typeface="Estrangelo Edessa"/>
+        <a:font script="Sora" typeface="Nirmala UI"/>
+        <a:font script="Tale" typeface="Microsoft Tai Le"/>
+        <a:font script="Talu" typeface="Microsoft New Tai Lue"/>
+        <a:font script="Tfng" typeface="Ebrima"/>
+      </a:minorFont>
+    </a:fontScheme>
+    <a:fmtScheme name="Office">
+      <a:fillStyleLst>
+        <a:solidFill>
+          <a:schemeClr val="phClr"/>
+        </a:solidFill>
+        <a:gradFill rotWithShape="1">
+          <a:gsLst>
+            <a:gs pos="0">
+              <a:schemeClr val="phClr">
+                <a:lumMod val="110000"/>
+                <a:satMod val="105000"/>
+                <a:tint val="67000"/>
+              </a:schemeClr>
+            </a:gs>
+            <a:gs pos="50000">
+              <a:schemeClr val="phClr">
+                <a:lumMod val="105000"/>
+                <a:satMod val="103000"/>
+                <a:tint val="73000"/>
+              </a:schemeClr>
+            </a:gs>
+            <a:gs pos="100000">
+              <a:schemeClr val="phClr">
+                <a:lumMod val="105000"/>
+                <a:satMod val="109000"/>
+                <a:tint val="81000"/>
+              </a:schemeClr>
+            </a:gs>
+          </a:gsLst>
+          <a:lin ang="5400000" scaled="0"/>
+        </a:gradFill>
+        <a:gradFill rotWithShape="1">
+          <a:gsLst>
+            <a:gs pos="0">
+              <a:schemeClr val="phClr">
+                <a:satMod val="103000"/>
+                <a:lumMod val="102000"/>
+                <a:tint val="94000"/>
+              </a:schemeClr>
+            </a:gs>
+            <a:gs pos="50000">
+              <a:schemeClr val="phClr">
+                <a:satMod val="110000"/>
+                <a:lumMod val="100000"/>
+                <a:shade val="100000"/>
+              </a:schemeClr>
+            </a:gs>
+            <a:gs pos="100000">
+              <a:schemeClr val="phClr">
+                <a:lumMod val="99000"/>
+                <a:satMod val="120000"/>
+                <a:shade val="78000"/>
+              </a:schemeClr>
+            </a:gs>
+          </a:gsLst>
+          <a:lin ang="5400000" scaled="0"/>
+        </a:gradFill>
+      </a:fillStyleLst>
+      <a:lnStyleLst>
+        <a:ln w="6350" cap="flat" cmpd="sng" algn="ctr">
+          <a:solidFill>
+            <a:schemeClr val="phClr"/>
+          </a:solidFill>
+          <a:prstDash val="solid"/>
+          <a:miter lim="800000"/>
+        </a:ln>
+        <a:ln w="12700" cap="flat" cmpd="sng" algn="ctr">
+          <a:solidFill>
+            <a:schemeClr val="phClr"/>
+          </a:solidFill>
+          <a:prstDash val="solid"/>
+          <a:miter lim="800000"/>
+        </a:ln>
+        <a:ln w="19050" cap="flat" cmpd="sng" algn="ctr">
+          <a:solidFill>
+            <a:schemeClr val="phClr"/>
+          </a:solidFill>
+          <a:prstDash val="solid"/>
+          <a:miter lim="800000"/>
+        </a:ln>
+      </a:lnStyleLst>
+      <a:effectStyleLst>
+        <a:effectStyle>
+          <a:effectLst/>
+        </a:effectStyle>
+        <a:effectStyle>
+          <a:effectLst/>
+        </a:effectStyle>
+        <a:effectStyle>
+          <a:effectLst>
+            <a:outerShdw blurRad="57150" dist="19050" dir="5400000" algn="ctr" rotWithShape="0">
+              <a:srgbClr val="000000">
+                <a:alpha val="63000"/>
+              </a:srgbClr>
+            </a:outerShdw>
+          </a:effectLst>
+        </a:effectStyle>
+      </a:effectStyleLst>
+      <a:bgFillStyleLst>
+        <a:solidFill>
+          <a:schemeClr val="phClr"/>
+        </a:solidFill>
+        <a:solidFill>
+          <a:schemeClr val="phClr">
+            <a:tint val="95000"/>
+            <a:satMod val="170000"/>
+          </a:schemeClr>
+        </a:solidFill>
+        <a:gradFill rotWithShape="1">
+          <a:gsLst>
+            <a:gs pos="0">
+              <a:schemeClr val="phClr">
+                <a:tint val="93000"/>
+                <a:satMod val="150000"/>
+                <a:shade val="98000"/>
+                <a:lumMod val="102000"/>
+              </a:schemeClr>
+            </a:gs>
+            <a:gs pos="50000">
+              <a:schemeClr val="phClr">
+                <a:tint val="98000"/>
+                <a:satMod val="130000"/>
+                <a:shade val="90000"/>
+                <a:lumMod val="103000"/>
+              </a:schemeClr>
+            </a:gs>
+            <a:gs pos="100000">
+              <a:schemeClr val="phClr">
+                <a:shade val="63000"/>
+                <a:satMod val="120000"/>
+              </a:schemeClr>
+            </a:gs>
+          </a:gsLst>
+          <a:lin ang="5400000" scaled="0"/>
+        </a:gradFill>
+      </a:bgFillStyleLst>
+    </a:fmtScheme>
+  </a:themeElements>
+  <a:objectDefaults/>
+  <a:extraClrSchemeLst/>
+  <a:extLst>
+    <a:ext uri="{05A4C25C-085E-4340-85A3-A5531E510DB2}">
+      <thm15:themeFamily xmlns:thm15="http://schemas.microsoft.com/office/thememl/2012/main" name="Office Theme" id="{62F939B6-93AF-4DB8-9C6B-D6C7DFDC589F}" vid="{4A3C46E8-61CC-4603-A589-7422A47A8E4A}"/>
+    </a:ext>
+  </a:extLst>
+</a:theme>
 </file>
 
-<file path=customXml/item2.xml><?xml version="1.0" encoding="utf-8"?>
+<file path=customXml/item1.xml><?xml version="1.0" encoding="utf-8"?>
 <?mso-contentType ?>
 <FormTemplates xmlns="http://schemas.microsoft.com/sharepoint/v3/contenttype/forms">
   <Display>DocumentLibraryForm</Display>
@@ -26700,7 +27949,7 @@
 </FormTemplates>
 </file>
 
-<file path=customXml/item3.xml><?xml version="1.0" encoding="utf-8"?>
+<file path=customXml/item2.xml><?xml version="1.0" encoding="utf-8"?>
 <ct:contentTypeSchema xmlns:ct="http://schemas.microsoft.com/office/2006/metadata/contentType" xmlns:ma="http://schemas.microsoft.com/office/2006/metadata/properties/metaAttributes" ct:_="" ma:_="" ma:contentTypeName="Document" ma:contentTypeID="0x01010079F111ED35F8CC479449609E8A0923A6" ma:contentTypeVersion="12" ma:contentTypeDescription="Create a new document." ma:contentTypeScope="" ma:versionID="a410dd7f93c95333ffa1b60ed6adedd1">
   <xsd:schema xmlns:xsd="http://www.w3.org/2001/XMLSchema" xmlns:xs="http://www.w3.org/2001/XMLSchema" xmlns:p="http://schemas.microsoft.com/office/2006/metadata/properties" xmlns:ns2="71af3243-3dd4-4a8d-8c0d-dd76da1f02a5" xmlns:ns3="16c05727-aa75-4e4a-9b5f-8a80a1165891" targetNamespace="http://schemas.microsoft.com/office/2006/metadata/properties" ma:root="true" ma:fieldsID="a936d9baba76aa3866493feff160faab" ns2:_="" ns3:_="">
     <xsd:import namespace="71af3243-3dd4-4a8d-8c0d-dd76da1f02a5"/>
@@ -26921,17 +28170,16 @@
 </ct:contentTypeSchema>
 </file>
 
-<file path=customXml/itemProps1.xml><?xml version="1.0" encoding="utf-8"?>
-<ds:datastoreItem xmlns:ds="http://schemas.openxmlformats.org/officeDocument/2006/customXml" ds:itemID="{8D289AE2-D2AE-49D1-AFAC-3A79F6794255}">
-  <ds:schemaRefs>
-    <ds:schemaRef ds:uri="http://schemas.microsoft.com/office/2006/metadata/properties"/>
-    <ds:schemaRef ds:uri="http://schemas.microsoft.com/office/infopath/2007/PartnerControls"/>
-    <ds:schemaRef ds:uri="71af3243-3dd4-4a8d-8c0d-dd76da1f02a5"/>
-  </ds:schemaRefs>
-</ds:datastoreItem>
+<file path=customXml/item3.xml><?xml version="1.0" encoding="utf-8"?>
+<p:properties xmlns:p="http://schemas.microsoft.com/office/2006/metadata/properties" xmlns:xsi="http://www.w3.org/2001/XMLSchema-instance" xmlns:pc="http://schemas.microsoft.com/office/infopath/2007/PartnerControls">
+  <documentManagement>
+    <Status xmlns="71af3243-3dd4-4a8d-8c0d-dd76da1f02a5">Not started</Status>
+    <MediaServiceKeyPoints xmlns="71af3243-3dd4-4a8d-8c0d-dd76da1f02a5" xsi:nil="true"/>
+  </documentManagement>
+</p:properties>
 </file>
 
-<file path=customXml/itemProps2.xml><?xml version="1.0" encoding="utf-8"?>
+<file path=customXml/itemProps1.xml><?xml version="1.0" encoding="utf-8"?>
 <ds:datastoreItem xmlns:ds="http://schemas.openxmlformats.org/officeDocument/2006/customXml" ds:itemID="{927BD4C1-B6B1-4715-ABF9-E660A51A4EA0}">
   <ds:schemaRefs>
     <ds:schemaRef ds:uri="http://schemas.microsoft.com/sharepoint/v3/contenttype/forms"/>
@@ -26939,7 +28187,7 @@
 </ds:datastoreItem>
 </file>
 
-<file path=customXml/itemProps3.xml><?xml version="1.0" encoding="utf-8"?>
+<file path=customXml/itemProps2.xml><?xml version="1.0" encoding="utf-8"?>
 <ds:datastoreItem xmlns:ds="http://schemas.openxmlformats.org/officeDocument/2006/customXml" ds:itemID="{41E7CA09-9778-4414-AE97-8064B12DA30E}">
   <ds:schemaRefs>
     <ds:schemaRef ds:uri="http://schemas.microsoft.com/office/2006/metadata/contentType"/>
@@ -26956,4 +28204,14 @@
     <ds:schemaRef ds:uri="http://schemas.microsoft.com/internal/obd"/>
   </ds:schemaRefs>
 </ds:datastoreItem>
+</file>
+
+<file path=customXml/itemProps3.xml><?xml version="1.0" encoding="utf-8"?>
+<ds:datastoreItem xmlns:ds="http://schemas.openxmlformats.org/officeDocument/2006/customXml" ds:itemID="{8D289AE2-D2AE-49D1-AFAC-3A79F6794255}">
+  <ds:schemaRefs>
+    <ds:schemaRef ds:uri="http://schemas.microsoft.com/office/2006/metadata/properties"/>
+    <ds:schemaRef ds:uri="http://schemas.microsoft.com/office/infopath/2007/PartnerControls"/>
+    <ds:schemaRef ds:uri="71af3243-3dd4-4a8d-8c0d-dd76da1f02a5"/>
+  </ds:schemaRefs>
+</ds:datastoreItem>
 </file>